--- a/lesson-1/Slides.pptx
+++ b/lesson-1/Slides.pptx
@@ -13,10 +13,10 @@
   <p:sldIdLst>
     <p:sldId id="524" r:id="rId2"/>
     <p:sldId id="587" r:id="rId3"/>
-    <p:sldId id="570" r:id="rId4"/>
-    <p:sldId id="589" r:id="rId5"/>
-    <p:sldId id="572" r:id="rId6"/>
-    <p:sldId id="571" r:id="rId7"/>
+    <p:sldId id="593" r:id="rId4"/>
+    <p:sldId id="570" r:id="rId5"/>
+    <p:sldId id="589" r:id="rId6"/>
+    <p:sldId id="572" r:id="rId7"/>
     <p:sldId id="578" r:id="rId8"/>
     <p:sldId id="588" r:id="rId9"/>
     <p:sldId id="590" r:id="rId10"/>
@@ -126,6 +126,7 @@
           <p14:sldIdLst>
             <p14:sldId id="524"/>
             <p14:sldId id="587"/>
+            <p14:sldId id="593"/>
           </p14:sldIdLst>
         </p14:section>
         <p14:section name="What is serverless" id="{F5A8A5FB-908B-D04D-BA6A-4C77BCDBF348}">
@@ -136,7 +137,6 @@
             <p14:sldId id="570"/>
             <p14:sldId id="589"/>
             <p14:sldId id="572"/>
-            <p14:sldId id="571"/>
             <p14:sldId id="578"/>
             <p14:sldId id="588"/>
             <p14:sldId id="590"/>
@@ -739,6 +739,33 @@
           <a:bodyPr/>
           <a:lstStyle/>
           <a:p>
+            <a:r>
+              <a:rPr lang="en-US" baseline="0" dirty="0" smtClean="0"/>
+              <a:t>In this lesson you are going to build a </a:t>
+            </a:r>
+            <a:r>
+              <a:rPr lang="en-US" baseline="0" dirty="0" err="1" smtClean="0"/>
+              <a:t>serverless</a:t>
+            </a:r>
+            <a:r>
+              <a:rPr lang="en-US" baseline="0" dirty="0" smtClean="0"/>
+              <a:t> video transcoding pipeline on AWS.</a:t>
+            </a:r>
+          </a:p>
+          <a:p>
+            <a:endParaRPr lang="en-US" baseline="0" dirty="0" smtClean="0"/>
+          </a:p>
+          <a:p>
+            <a:r>
+              <a:rPr lang="en-US" baseline="0" dirty="0" smtClean="0"/>
+              <a:t>In this pipeline</a:t>
+            </a:r>
+            <a:r>
+              <a:rPr lang="is-IS" baseline="0" dirty="0" smtClean="0"/>
+              <a:t>… a user can drop a file into S3, and it will be automatically transcoded to a range of web-friendly formats, for viewing on the web site. </a:t>
+            </a:r>
+          </a:p>
+          <a:p>
             <a:endParaRPr lang="en-US" baseline="0" dirty="0" smtClean="0"/>
           </a:p>
         </p:txBody>
@@ -907,10 +934,15 @@
           <a:bodyPr/>
           <a:lstStyle/>
           <a:p>
+            <a:r>
+              <a:rPr lang="en-US" baseline="0" dirty="0" smtClean="0"/>
+              <a:t>Go here &amp; download the zip file / clone</a:t>
+            </a:r>
+            <a:r>
+              <a:rPr lang="is-IS" baseline="0" dirty="0" smtClean="0"/>
+              <a:t>… you can get this downloading while we talk a little more about serverless principles that apply to this lesson,</a:t>
+            </a:r>
             <a:endParaRPr lang="en-US" baseline="0" dirty="0" smtClean="0"/>
-          </a:p>
-          <a:p>
-            <a:endParaRPr lang="en-US" dirty="0"/>
           </a:p>
         </p:txBody>
       </p:sp>
@@ -994,6 +1026,90 @@
           <a:bodyPr/>
           <a:lstStyle/>
           <a:p>
+            <a:endParaRPr lang="en-US" dirty="0"/>
+          </a:p>
+        </p:txBody>
+      </p:sp>
+      <p:sp>
+        <p:nvSpPr>
+          <p:cNvPr id="4" name="Slide Number Placeholder 3"/>
+          <p:cNvSpPr>
+            <a:spLocks noGrp="1"/>
+          </p:cNvSpPr>
+          <p:nvPr>
+            <p:ph type="sldNum" sz="quarter" idx="10"/>
+          </p:nvPr>
+        </p:nvSpPr>
+        <p:spPr/>
+        <p:txBody>
+          <a:bodyPr/>
+          <a:lstStyle/>
+          <a:p>
+            <a:fld id="{55C38DD1-33AA-4996-977A-42B26A155BBE}" type="slidenum">
+              <a:rPr lang="id-ID" smtClean="0"/>
+              <a:t>3</a:t>
+            </a:fld>
+            <a:endParaRPr lang="id-ID"/>
+          </a:p>
+        </p:txBody>
+      </p:sp>
+    </p:spTree>
+    <p:extLst>
+      <p:ext uri="{BB962C8B-B14F-4D97-AF65-F5344CB8AC3E}">
+        <p14:creationId xmlns:p14="http://schemas.microsoft.com/office/powerpoint/2010/main" val="951293212"/>
+      </p:ext>
+    </p:extLst>
+  </p:cSld>
+  <p:clrMapOvr>
+    <a:masterClrMapping/>
+  </p:clrMapOvr>
+</p:notes>
+</file>
+
+<file path=ppt/notesSlides/notesSlide4.xml><?xml version="1.0" encoding="utf-8"?>
+<p:notes xmlns:a="http://schemas.openxmlformats.org/drawingml/2006/main" xmlns:r="http://schemas.openxmlformats.org/officeDocument/2006/relationships" xmlns:p="http://schemas.openxmlformats.org/presentationml/2006/main">
+  <p:cSld>
+    <p:spTree>
+      <p:nvGrpSpPr>
+        <p:cNvPr id="1" name=""/>
+        <p:cNvGrpSpPr/>
+        <p:nvPr/>
+      </p:nvGrpSpPr>
+      <p:grpSpPr>
+        <a:xfrm>
+          <a:off x="0" y="0"/>
+          <a:ext cx="0" cy="0"/>
+          <a:chOff x="0" y="0"/>
+          <a:chExt cx="0" cy="0"/>
+        </a:xfrm>
+      </p:grpSpPr>
+      <p:sp>
+        <p:nvSpPr>
+          <p:cNvPr id="2" name="Slide Image Placeholder 1"/>
+          <p:cNvSpPr>
+            <a:spLocks noGrp="1" noRot="1" noChangeAspect="1"/>
+          </p:cNvSpPr>
+          <p:nvPr>
+            <p:ph type="sldImg"/>
+          </p:nvPr>
+        </p:nvSpPr>
+        <p:spPr/>
+      </p:sp>
+      <p:sp>
+        <p:nvSpPr>
+          <p:cNvPr id="3" name="Notes Placeholder 2"/>
+          <p:cNvSpPr>
+            <a:spLocks noGrp="1"/>
+          </p:cNvSpPr>
+          <p:nvPr>
+            <p:ph type="body" idx="1"/>
+          </p:nvPr>
+        </p:nvSpPr>
+        <p:spPr/>
+        <p:txBody>
+          <a:bodyPr/>
+          <a:lstStyle/>
+          <a:p>
             <a:pPr marL="0" marR="0" indent="0" algn="l" defTabSz="914400" rtl="0" eaLnBrk="1" fontAlgn="auto" latinLnBrk="0" hangingPunct="1">
               <a:lnSpc>
                 <a:spcPct val="100000"/>
@@ -1023,15 +1139,6 @@
               </a:rPr>
               <a:t>Sam</a:t>
             </a:r>
-            <a:endParaRPr lang="en-US" sz="1200" b="1" kern="1200" dirty="0" smtClean="0">
-              <a:solidFill>
-                <a:schemeClr val="tx1"/>
-              </a:solidFill>
-              <a:effectLst/>
-              <a:latin typeface="+mn-lt"/>
-              <a:ea typeface="+mn-ea"/>
-              <a:cs typeface="+mn-cs"/>
-            </a:endParaRPr>
           </a:p>
           <a:p>
             <a:pPr marL="0" marR="0" indent="0" algn="l" defTabSz="914400" rtl="0" eaLnBrk="1" fontAlgn="auto" latinLnBrk="0" hangingPunct="1">
@@ -1373,7 +1480,7 @@
           <a:p>
             <a:fld id="{55C38DD1-33AA-4996-977A-42B26A155BBE}" type="slidenum">
               <a:rPr lang="id-ID" smtClean="0"/>
-              <a:t>3</a:t>
+              <a:t>4</a:t>
             </a:fld>
             <a:endParaRPr lang="id-ID"/>
           </a:p>
@@ -1392,7 +1499,7 @@
 </p:notes>
 </file>
 
-<file path=ppt/notesSlides/notesSlide4.xml><?xml version="1.0" encoding="utf-8"?>
+<file path=ppt/notesSlides/notesSlide5.xml><?xml version="1.0" encoding="utf-8"?>
 <p:notes xmlns:a="http://schemas.openxmlformats.org/drawingml/2006/main" xmlns:r="http://schemas.openxmlformats.org/officeDocument/2006/relationships" xmlns:p="http://schemas.openxmlformats.org/presentationml/2006/main">
   <p:cSld>
     <p:spTree>
@@ -1457,7 +1564,7 @@
           <a:p>
             <a:fld id="{55C38DD1-33AA-4996-977A-42B26A155BBE}" type="slidenum">
               <a:rPr lang="id-ID" smtClean="0"/>
-              <a:t>4</a:t>
+              <a:t>5</a:t>
             </a:fld>
             <a:endParaRPr lang="id-ID"/>
           </a:p>
@@ -1476,7 +1583,7 @@
 </p:notes>
 </file>
 
-<file path=ppt/notesSlides/notesSlide5.xml><?xml version="1.0" encoding="utf-8"?>
+<file path=ppt/notesSlides/notesSlide6.xml><?xml version="1.0" encoding="utf-8"?>
 <p:notes xmlns:a="http://schemas.openxmlformats.org/drawingml/2006/main" xmlns:r="http://schemas.openxmlformats.org/officeDocument/2006/relationships" xmlns:p="http://schemas.openxmlformats.org/presentationml/2006/main">
   <p:cSld>
     <p:spTree>
@@ -1541,7 +1648,7 @@
           <a:p>
             <a:fld id="{55C38DD1-33AA-4996-977A-42B26A155BBE}" type="slidenum">
               <a:rPr lang="id-ID" smtClean="0"/>
-              <a:t>5</a:t>
+              <a:t>6</a:t>
             </a:fld>
             <a:endParaRPr lang="id-ID"/>
           </a:p>
@@ -1551,138 +1658,6 @@
     <p:extLst>
       <p:ext uri="{BB962C8B-B14F-4D97-AF65-F5344CB8AC3E}">
         <p14:creationId xmlns:p14="http://schemas.microsoft.com/office/powerpoint/2010/main" val="1577242396"/>
-      </p:ext>
-    </p:extLst>
-  </p:cSld>
-  <p:clrMapOvr>
-    <a:masterClrMapping/>
-  </p:clrMapOvr>
-</p:notes>
-</file>
-
-<file path=ppt/notesSlides/notesSlide6.xml><?xml version="1.0" encoding="utf-8"?>
-<p:notes xmlns:a="http://schemas.openxmlformats.org/drawingml/2006/main" xmlns:r="http://schemas.openxmlformats.org/officeDocument/2006/relationships" xmlns:p="http://schemas.openxmlformats.org/presentationml/2006/main">
-  <p:cSld>
-    <p:spTree>
-      <p:nvGrpSpPr>
-        <p:cNvPr id="1" name=""/>
-        <p:cNvGrpSpPr/>
-        <p:nvPr/>
-      </p:nvGrpSpPr>
-      <p:grpSpPr>
-        <a:xfrm>
-          <a:off x="0" y="0"/>
-          <a:ext cx="0" cy="0"/>
-          <a:chOff x="0" y="0"/>
-          <a:chExt cx="0" cy="0"/>
-        </a:xfrm>
-      </p:grpSpPr>
-      <p:sp>
-        <p:nvSpPr>
-          <p:cNvPr id="2" name="Slide Image Placeholder 1"/>
-          <p:cNvSpPr>
-            <a:spLocks noGrp="1" noRot="1" noChangeAspect="1"/>
-          </p:cNvSpPr>
-          <p:nvPr>
-            <p:ph type="sldImg"/>
-          </p:nvPr>
-        </p:nvSpPr>
-        <p:spPr/>
-      </p:sp>
-      <p:sp>
-        <p:nvSpPr>
-          <p:cNvPr id="3" name="Notes Placeholder 2"/>
-          <p:cNvSpPr>
-            <a:spLocks noGrp="1"/>
-          </p:cNvSpPr>
-          <p:nvPr>
-            <p:ph type="body" idx="1"/>
-          </p:nvPr>
-        </p:nvSpPr>
-        <p:spPr/>
-        <p:txBody>
-          <a:bodyPr/>
-          <a:lstStyle/>
-          <a:p>
-            <a:r>
-              <a:rPr lang="en-US" b="1" dirty="0" smtClean="0"/>
-              <a:t>Pete</a:t>
-            </a:r>
-          </a:p>
-          <a:p>
-            <a:r>
-              <a:rPr lang="en-US" dirty="0" smtClean="0"/>
-              <a:t>Here’s a basic use cases where Lambda functions serve as a back end for a web</a:t>
-            </a:r>
-            <a:r>
-              <a:rPr lang="en-US" baseline="0" dirty="0" smtClean="0"/>
-              <a:t> or a mobile application. Our client application talks to Lambda functions via the API Gateway. As far as a client is aware, it is talking to a </a:t>
-            </a:r>
-            <a:r>
-              <a:rPr lang="en-US" baseline="0" dirty="0" err="1" smtClean="0"/>
-              <a:t>RESTful</a:t>
-            </a:r>
-            <a:r>
-              <a:rPr lang="en-US" baseline="0" dirty="0" smtClean="0"/>
-              <a:t> interface using HTTP. It doesn’t know that there are Lambda functions behind this </a:t>
-            </a:r>
-            <a:r>
-              <a:rPr lang="en-US" baseline="0" dirty="0" err="1" smtClean="0"/>
-              <a:t>RESTful</a:t>
-            </a:r>
-            <a:r>
-              <a:rPr lang="en-US" baseline="0" dirty="0" smtClean="0"/>
-              <a:t> interface and it doesn’t really need to know. </a:t>
-            </a:r>
-          </a:p>
-          <a:p>
-            <a:endParaRPr lang="en-US" baseline="0" dirty="0" smtClean="0"/>
-          </a:p>
-          <a:p>
-            <a:r>
-              <a:rPr lang="en-US" baseline="0" dirty="0" smtClean="0"/>
-              <a:t>The Lambda runtime instantiates required Lambda functions for each request. Security is taken care of at the API Gateway or at each individual function. Our system can handle many simultaneous requests. </a:t>
-            </a:r>
-          </a:p>
-          <a:p>
-            <a:endParaRPr lang="en-US" baseline="0" dirty="0" smtClean="0"/>
-          </a:p>
-          <a:p>
-            <a:r>
-              <a:rPr lang="en-US" baseline="0" dirty="0" smtClean="0"/>
-              <a:t>Every Lambda function connected to the API Gateway receives a request, does the required processing and returns a response via the API Gateway. Every Lambda function can invoke another Lambda function or another service. And, it doesn’t have to be an AWS service. We use Firebase as our primary user-facing database and our Lambda functions regularly talk to it.</a:t>
-            </a:r>
-            <a:endParaRPr lang="en-US" dirty="0"/>
-          </a:p>
-        </p:txBody>
-      </p:sp>
-      <p:sp>
-        <p:nvSpPr>
-          <p:cNvPr id="4" name="Slide Number Placeholder 3"/>
-          <p:cNvSpPr>
-            <a:spLocks noGrp="1"/>
-          </p:cNvSpPr>
-          <p:nvPr>
-            <p:ph type="sldNum" sz="quarter" idx="10"/>
-          </p:nvPr>
-        </p:nvSpPr>
-        <p:spPr/>
-        <p:txBody>
-          <a:bodyPr/>
-          <a:lstStyle/>
-          <a:p>
-            <a:fld id="{55C38DD1-33AA-4996-977A-42B26A155BBE}" type="slidenum">
-              <a:rPr lang="id-ID" smtClean="0"/>
-              <a:t>6</a:t>
-            </a:fld>
-            <a:endParaRPr lang="id-ID"/>
-          </a:p>
-        </p:txBody>
-      </p:sp>
-    </p:spTree>
-    <p:extLst>
-      <p:ext uri="{BB962C8B-B14F-4D97-AF65-F5344CB8AC3E}">
-        <p14:creationId xmlns:p14="http://schemas.microsoft.com/office/powerpoint/2010/main" val="1079528459"/>
       </p:ext>
     </p:extLst>
   </p:cSld>
@@ -32365,6 +32340,2475 @@
     <p:bg>
       <p:bgPr>
         <a:solidFill>
+          <a:srgbClr val="222935"/>
+        </a:solidFill>
+        <a:effectLst/>
+      </p:bgPr>
+    </p:bg>
+    <p:spTree>
+      <p:nvGrpSpPr>
+        <p:cNvPr id="1" name=""/>
+        <p:cNvGrpSpPr/>
+        <p:nvPr/>
+      </p:nvGrpSpPr>
+      <p:grpSpPr>
+        <a:xfrm>
+          <a:off x="0" y="0"/>
+          <a:ext cx="0" cy="0"/>
+          <a:chOff x="0" y="0"/>
+          <a:chExt cx="0" cy="0"/>
+        </a:xfrm>
+      </p:grpSpPr>
+      <p:grpSp>
+        <p:nvGrpSpPr>
+          <p:cNvPr id="18" name="Group 17"/>
+          <p:cNvGrpSpPr/>
+          <p:nvPr/>
+        </p:nvGrpSpPr>
+        <p:grpSpPr>
+          <a:xfrm>
+            <a:off x="2" y="6736617"/>
+            <a:ext cx="12191999" cy="134339"/>
+            <a:chOff x="2" y="2110197"/>
+            <a:chExt cx="12191999" cy="134339"/>
+          </a:xfrm>
+        </p:grpSpPr>
+        <p:sp>
+          <p:nvSpPr>
+            <p:cNvPr id="19" name="Rectangle 18"/>
+            <p:cNvSpPr/>
+            <p:nvPr/>
+          </p:nvSpPr>
+          <p:spPr>
+            <a:xfrm rot="16200000">
+              <a:off x="2980836" y="1161370"/>
+              <a:ext cx="134333" cy="2032000"/>
+            </a:xfrm>
+            <a:prstGeom prst="rect">
+              <a:avLst/>
+            </a:prstGeom>
+            <a:solidFill>
+              <a:schemeClr val="accent1">
+                <a:lumMod val="75000"/>
+              </a:schemeClr>
+            </a:solidFill>
+            <a:ln>
+              <a:noFill/>
+            </a:ln>
+          </p:spPr>
+          <p:style>
+            <a:lnRef idx="2">
+              <a:schemeClr val="accent1">
+                <a:shade val="50000"/>
+              </a:schemeClr>
+            </a:lnRef>
+            <a:fillRef idx="1">
+              <a:schemeClr val="accent1"/>
+            </a:fillRef>
+            <a:effectRef idx="0">
+              <a:schemeClr val="accent1"/>
+            </a:effectRef>
+            <a:fontRef idx="minor">
+              <a:schemeClr val="lt1"/>
+            </a:fontRef>
+          </p:style>
+          <p:txBody>
+            <a:bodyPr rtlCol="0" anchor="ctr"/>
+            <a:lstStyle/>
+            <a:p>
+              <a:pPr algn="ctr"/>
+              <a:endParaRPr lang="id-ID"/>
+            </a:p>
+          </p:txBody>
+        </p:sp>
+        <p:sp>
+          <p:nvSpPr>
+            <p:cNvPr id="20" name="Rectangle 19"/>
+            <p:cNvSpPr/>
+            <p:nvPr/>
+          </p:nvSpPr>
+          <p:spPr>
+            <a:xfrm rot="16200000">
+              <a:off x="5012835" y="1161369"/>
+              <a:ext cx="134333" cy="2032000"/>
+            </a:xfrm>
+            <a:prstGeom prst="rect">
+              <a:avLst/>
+            </a:prstGeom>
+            <a:solidFill>
+              <a:schemeClr val="accent2">
+                <a:lumMod val="75000"/>
+              </a:schemeClr>
+            </a:solidFill>
+            <a:ln>
+              <a:noFill/>
+            </a:ln>
+          </p:spPr>
+          <p:style>
+            <a:lnRef idx="2">
+              <a:schemeClr val="accent1">
+                <a:shade val="50000"/>
+              </a:schemeClr>
+            </a:lnRef>
+            <a:fillRef idx="1">
+              <a:schemeClr val="accent1"/>
+            </a:fillRef>
+            <a:effectRef idx="0">
+              <a:schemeClr val="accent1"/>
+            </a:effectRef>
+            <a:fontRef idx="minor">
+              <a:schemeClr val="lt1"/>
+            </a:fontRef>
+          </p:style>
+          <p:txBody>
+            <a:bodyPr rtlCol="0" anchor="ctr"/>
+            <a:lstStyle/>
+            <a:p>
+              <a:pPr algn="ctr"/>
+              <a:endParaRPr lang="id-ID"/>
+            </a:p>
+          </p:txBody>
+        </p:sp>
+        <p:sp>
+          <p:nvSpPr>
+            <p:cNvPr id="21" name="Rectangle 20"/>
+            <p:cNvSpPr/>
+            <p:nvPr/>
+          </p:nvSpPr>
+          <p:spPr>
+            <a:xfrm rot="16200000">
+              <a:off x="7044834" y="1161369"/>
+              <a:ext cx="134335" cy="2032000"/>
+            </a:xfrm>
+            <a:prstGeom prst="rect">
+              <a:avLst/>
+            </a:prstGeom>
+            <a:solidFill>
+              <a:schemeClr val="accent3">
+                <a:lumMod val="75000"/>
+              </a:schemeClr>
+            </a:solidFill>
+            <a:ln>
+              <a:noFill/>
+            </a:ln>
+          </p:spPr>
+          <p:style>
+            <a:lnRef idx="2">
+              <a:schemeClr val="accent1">
+                <a:shade val="50000"/>
+              </a:schemeClr>
+            </a:lnRef>
+            <a:fillRef idx="1">
+              <a:schemeClr val="accent1"/>
+            </a:fillRef>
+            <a:effectRef idx="0">
+              <a:schemeClr val="accent1"/>
+            </a:effectRef>
+            <a:fontRef idx="minor">
+              <a:schemeClr val="lt1"/>
+            </a:fontRef>
+          </p:style>
+          <p:txBody>
+            <a:bodyPr rtlCol="0" anchor="ctr"/>
+            <a:lstStyle/>
+            <a:p>
+              <a:pPr algn="ctr"/>
+              <a:endParaRPr lang="id-ID"/>
+            </a:p>
+          </p:txBody>
+        </p:sp>
+        <p:sp>
+          <p:nvSpPr>
+            <p:cNvPr id="22" name="Rectangle 21"/>
+            <p:cNvSpPr/>
+            <p:nvPr/>
+          </p:nvSpPr>
+          <p:spPr>
+            <a:xfrm rot="16200000">
+              <a:off x="9076834" y="1161367"/>
+              <a:ext cx="134336" cy="2032000"/>
+            </a:xfrm>
+            <a:prstGeom prst="rect">
+              <a:avLst/>
+            </a:prstGeom>
+            <a:solidFill>
+              <a:schemeClr val="accent4">
+                <a:lumMod val="75000"/>
+              </a:schemeClr>
+            </a:solidFill>
+            <a:ln>
+              <a:noFill/>
+            </a:ln>
+          </p:spPr>
+          <p:style>
+            <a:lnRef idx="2">
+              <a:schemeClr val="accent1">
+                <a:shade val="50000"/>
+              </a:schemeClr>
+            </a:lnRef>
+            <a:fillRef idx="1">
+              <a:schemeClr val="accent1"/>
+            </a:fillRef>
+            <a:effectRef idx="0">
+              <a:schemeClr val="accent1"/>
+            </a:effectRef>
+            <a:fontRef idx="minor">
+              <a:schemeClr val="lt1"/>
+            </a:fontRef>
+          </p:style>
+          <p:txBody>
+            <a:bodyPr rtlCol="0" anchor="ctr"/>
+            <a:lstStyle/>
+            <a:p>
+              <a:pPr algn="ctr"/>
+              <a:endParaRPr lang="id-ID"/>
+            </a:p>
+          </p:txBody>
+        </p:sp>
+        <p:sp>
+          <p:nvSpPr>
+            <p:cNvPr id="23" name="Rectangle 22"/>
+            <p:cNvSpPr/>
+            <p:nvPr/>
+          </p:nvSpPr>
+          <p:spPr>
+            <a:xfrm rot="16200000">
+              <a:off x="11108832" y="1161366"/>
+              <a:ext cx="134338" cy="2032000"/>
+            </a:xfrm>
+            <a:prstGeom prst="rect">
+              <a:avLst/>
+            </a:prstGeom>
+            <a:solidFill>
+              <a:schemeClr val="accent5">
+                <a:lumMod val="75000"/>
+              </a:schemeClr>
+            </a:solidFill>
+            <a:ln>
+              <a:noFill/>
+            </a:ln>
+          </p:spPr>
+          <p:style>
+            <a:lnRef idx="2">
+              <a:schemeClr val="accent1">
+                <a:shade val="50000"/>
+              </a:schemeClr>
+            </a:lnRef>
+            <a:fillRef idx="1">
+              <a:schemeClr val="accent1"/>
+            </a:fillRef>
+            <a:effectRef idx="0">
+              <a:schemeClr val="accent1"/>
+            </a:effectRef>
+            <a:fontRef idx="minor">
+              <a:schemeClr val="lt1"/>
+            </a:fontRef>
+          </p:style>
+          <p:txBody>
+            <a:bodyPr rtlCol="0" anchor="ctr"/>
+            <a:lstStyle/>
+            <a:p>
+              <a:pPr algn="ctr"/>
+              <a:endParaRPr lang="id-ID"/>
+            </a:p>
+          </p:txBody>
+        </p:sp>
+        <p:sp>
+          <p:nvSpPr>
+            <p:cNvPr id="24" name="Rectangle 23"/>
+            <p:cNvSpPr/>
+            <p:nvPr/>
+          </p:nvSpPr>
+          <p:spPr>
+            <a:xfrm rot="16200000">
+              <a:off x="948836" y="1161370"/>
+              <a:ext cx="134331" cy="2032000"/>
+            </a:xfrm>
+            <a:prstGeom prst="rect">
+              <a:avLst/>
+            </a:prstGeom>
+            <a:solidFill>
+              <a:schemeClr val="accent6">
+                <a:lumMod val="75000"/>
+              </a:schemeClr>
+            </a:solidFill>
+            <a:ln>
+              <a:noFill/>
+            </a:ln>
+          </p:spPr>
+          <p:style>
+            <a:lnRef idx="2">
+              <a:schemeClr val="accent1">
+                <a:shade val="50000"/>
+              </a:schemeClr>
+            </a:lnRef>
+            <a:fillRef idx="1">
+              <a:schemeClr val="accent1"/>
+            </a:fillRef>
+            <a:effectRef idx="0">
+              <a:schemeClr val="accent1"/>
+            </a:effectRef>
+            <a:fontRef idx="minor">
+              <a:schemeClr val="lt1"/>
+            </a:fontRef>
+          </p:style>
+          <p:txBody>
+            <a:bodyPr rtlCol="0" anchor="ctr"/>
+            <a:lstStyle/>
+            <a:p>
+              <a:pPr algn="ctr"/>
+              <a:endParaRPr lang="id-ID"/>
+            </a:p>
+          </p:txBody>
+        </p:sp>
+      </p:grpSp>
+      <p:grpSp>
+        <p:nvGrpSpPr>
+          <p:cNvPr id="82" name="Group 81"/>
+          <p:cNvGrpSpPr/>
+          <p:nvPr/>
+        </p:nvGrpSpPr>
+        <p:grpSpPr>
+          <a:xfrm>
+            <a:off x="5315293" y="2924389"/>
+            <a:ext cx="1384981" cy="1098964"/>
+            <a:chOff x="5499100" y="144463"/>
+            <a:chExt cx="3213100" cy="2614612"/>
+          </a:xfrm>
+          <a:effectLst>
+            <a:outerShdw blurRad="127000" dir="13500000" sy="23000" kx="1200000" algn="br" rotWithShape="0">
+              <a:prstClr val="black">
+                <a:alpha val="10000"/>
+              </a:prstClr>
+            </a:outerShdw>
+          </a:effectLst>
+        </p:grpSpPr>
+        <p:sp>
+          <p:nvSpPr>
+            <p:cNvPr id="83" name="Freeform 28"/>
+            <p:cNvSpPr>
+              <a:spLocks/>
+            </p:cNvSpPr>
+            <p:nvPr/>
+          </p:nvSpPr>
+          <p:spPr bwMode="auto">
+            <a:xfrm>
+              <a:off x="5499100" y="144463"/>
+              <a:ext cx="3213100" cy="1944687"/>
+            </a:xfrm>
+            <a:custGeom>
+              <a:avLst/>
+              <a:gdLst>
+                <a:gd name="T0" fmla="*/ 0 w 854"/>
+                <a:gd name="T1" fmla="*/ 516 h 516"/>
+                <a:gd name="T2" fmla="*/ 0 w 854"/>
+                <a:gd name="T3" fmla="*/ 19 h 516"/>
+                <a:gd name="T4" fmla="*/ 20 w 854"/>
+                <a:gd name="T5" fmla="*/ 0 h 516"/>
+                <a:gd name="T6" fmla="*/ 835 w 854"/>
+                <a:gd name="T7" fmla="*/ 0 h 516"/>
+                <a:gd name="T8" fmla="*/ 854 w 854"/>
+                <a:gd name="T9" fmla="*/ 19 h 516"/>
+                <a:gd name="T10" fmla="*/ 854 w 854"/>
+                <a:gd name="T11" fmla="*/ 516 h 516"/>
+                <a:gd name="T12" fmla="*/ 0 w 854"/>
+                <a:gd name="T13" fmla="*/ 516 h 516"/>
+              </a:gdLst>
+              <a:ahLst/>
+              <a:cxnLst>
+                <a:cxn ang="0">
+                  <a:pos x="T0" y="T1"/>
+                </a:cxn>
+                <a:cxn ang="0">
+                  <a:pos x="T2" y="T3"/>
+                </a:cxn>
+                <a:cxn ang="0">
+                  <a:pos x="T4" y="T5"/>
+                </a:cxn>
+                <a:cxn ang="0">
+                  <a:pos x="T6" y="T7"/>
+                </a:cxn>
+                <a:cxn ang="0">
+                  <a:pos x="T8" y="T9"/>
+                </a:cxn>
+                <a:cxn ang="0">
+                  <a:pos x="T10" y="T11"/>
+                </a:cxn>
+                <a:cxn ang="0">
+                  <a:pos x="T12" y="T13"/>
+                </a:cxn>
+              </a:cxnLst>
+              <a:rect l="0" t="0" r="r" b="b"/>
+              <a:pathLst>
+                <a:path w="854" h="516">
+                  <a:moveTo>
+                    <a:pt x="0" y="516"/>
+                  </a:moveTo>
+                  <a:cubicBezTo>
+                    <a:pt x="0" y="19"/>
+                    <a:pt x="0" y="19"/>
+                    <a:pt x="0" y="19"/>
+                  </a:cubicBezTo>
+                  <a:cubicBezTo>
+                    <a:pt x="0" y="8"/>
+                    <a:pt x="9" y="0"/>
+                    <a:pt x="20" y="0"/>
+                  </a:cubicBezTo>
+                  <a:cubicBezTo>
+                    <a:pt x="835" y="0"/>
+                    <a:pt x="835" y="0"/>
+                    <a:pt x="835" y="0"/>
+                  </a:cubicBezTo>
+                  <a:cubicBezTo>
+                    <a:pt x="845" y="0"/>
+                    <a:pt x="854" y="8"/>
+                    <a:pt x="854" y="19"/>
+                  </a:cubicBezTo>
+                  <a:cubicBezTo>
+                    <a:pt x="854" y="516"/>
+                    <a:pt x="854" y="516"/>
+                    <a:pt x="854" y="516"/>
+                  </a:cubicBezTo>
+                  <a:lnTo>
+                    <a:pt x="0" y="516"/>
+                  </a:lnTo>
+                  <a:close/>
+                </a:path>
+              </a:pathLst>
+            </a:custGeom>
+            <a:solidFill>
+              <a:schemeClr val="bg1">
+                <a:lumMod val="85000"/>
+              </a:schemeClr>
+            </a:solidFill>
+            <a:ln>
+              <a:noFill/>
+            </a:ln>
+            <a:extLst>
+              <a:ext uri="{91240B29-F687-4f45-9708-019B960494DF}">
+                <a14:hiddenLine xmlns:a14="http://schemas.microsoft.com/office/drawing/2010/main" xmlns="" w="9525">
+                  <a:solidFill>
+                    <a:srgbClr val="000000"/>
+                  </a:solidFill>
+                  <a:round/>
+                  <a:headEnd/>
+                  <a:tailEnd/>
+                </a14:hiddenLine>
+              </a:ext>
+            </a:extLst>
+          </p:spPr>
+          <p:txBody>
+            <a:bodyPr vert="horz" wrap="square" lIns="91440" tIns="45720" rIns="91440" bIns="45720" numCol="1" anchor="t" anchorCtr="0" compatLnSpc="1">
+              <a:prstTxWarp prst="textNoShape">
+                <a:avLst/>
+              </a:prstTxWarp>
+            </a:bodyPr>
+            <a:lstStyle/>
+            <a:p>
+              <a:endParaRPr lang="id-ID"/>
+            </a:p>
+          </p:txBody>
+        </p:sp>
+        <p:sp>
+          <p:nvSpPr>
+            <p:cNvPr id="84" name="Freeform 29"/>
+            <p:cNvSpPr>
+              <a:spLocks/>
+            </p:cNvSpPr>
+            <p:nvPr/>
+          </p:nvSpPr>
+          <p:spPr bwMode="auto">
+            <a:xfrm>
+              <a:off x="5499100" y="2089150"/>
+              <a:ext cx="3213100" cy="290512"/>
+            </a:xfrm>
+            <a:custGeom>
+              <a:avLst/>
+              <a:gdLst>
+                <a:gd name="T0" fmla="*/ 835 w 854"/>
+                <a:gd name="T1" fmla="*/ 77 h 77"/>
+                <a:gd name="T2" fmla="*/ 20 w 854"/>
+                <a:gd name="T3" fmla="*/ 77 h 77"/>
+                <a:gd name="T4" fmla="*/ 0 w 854"/>
+                <a:gd name="T5" fmla="*/ 58 h 77"/>
+                <a:gd name="T6" fmla="*/ 0 w 854"/>
+                <a:gd name="T7" fmla="*/ 0 h 77"/>
+                <a:gd name="T8" fmla="*/ 854 w 854"/>
+                <a:gd name="T9" fmla="*/ 0 h 77"/>
+                <a:gd name="T10" fmla="*/ 854 w 854"/>
+                <a:gd name="T11" fmla="*/ 58 h 77"/>
+                <a:gd name="T12" fmla="*/ 835 w 854"/>
+                <a:gd name="T13" fmla="*/ 77 h 77"/>
+              </a:gdLst>
+              <a:ahLst/>
+              <a:cxnLst>
+                <a:cxn ang="0">
+                  <a:pos x="T0" y="T1"/>
+                </a:cxn>
+                <a:cxn ang="0">
+                  <a:pos x="T2" y="T3"/>
+                </a:cxn>
+                <a:cxn ang="0">
+                  <a:pos x="T4" y="T5"/>
+                </a:cxn>
+                <a:cxn ang="0">
+                  <a:pos x="T6" y="T7"/>
+                </a:cxn>
+                <a:cxn ang="0">
+                  <a:pos x="T8" y="T9"/>
+                </a:cxn>
+                <a:cxn ang="0">
+                  <a:pos x="T10" y="T11"/>
+                </a:cxn>
+                <a:cxn ang="0">
+                  <a:pos x="T12" y="T13"/>
+                </a:cxn>
+              </a:cxnLst>
+              <a:rect l="0" t="0" r="r" b="b"/>
+              <a:pathLst>
+                <a:path w="854" h="77">
+                  <a:moveTo>
+                    <a:pt x="835" y="77"/>
+                  </a:moveTo>
+                  <a:cubicBezTo>
+                    <a:pt x="20" y="77"/>
+                    <a:pt x="20" y="77"/>
+                    <a:pt x="20" y="77"/>
+                  </a:cubicBezTo>
+                  <a:cubicBezTo>
+                    <a:pt x="9" y="77"/>
+                    <a:pt x="0" y="69"/>
+                    <a:pt x="0" y="58"/>
+                  </a:cubicBezTo>
+                  <a:cubicBezTo>
+                    <a:pt x="0" y="0"/>
+                    <a:pt x="0" y="0"/>
+                    <a:pt x="0" y="0"/>
+                  </a:cubicBezTo>
+                  <a:cubicBezTo>
+                    <a:pt x="854" y="0"/>
+                    <a:pt x="854" y="0"/>
+                    <a:pt x="854" y="0"/>
+                  </a:cubicBezTo>
+                  <a:cubicBezTo>
+                    <a:pt x="854" y="58"/>
+                    <a:pt x="854" y="58"/>
+                    <a:pt x="854" y="58"/>
+                  </a:cubicBezTo>
+                  <a:cubicBezTo>
+                    <a:pt x="854" y="69"/>
+                    <a:pt x="845" y="77"/>
+                    <a:pt x="835" y="77"/>
+                  </a:cubicBezTo>
+                </a:path>
+              </a:pathLst>
+            </a:custGeom>
+            <a:solidFill>
+              <a:schemeClr val="bg1">
+                <a:lumMod val="95000"/>
+              </a:schemeClr>
+            </a:solidFill>
+            <a:ln>
+              <a:noFill/>
+            </a:ln>
+          </p:spPr>
+          <p:txBody>
+            <a:bodyPr vert="horz" wrap="square" lIns="91440" tIns="45720" rIns="91440" bIns="45720" numCol="1" anchor="t" anchorCtr="0" compatLnSpc="1">
+              <a:prstTxWarp prst="textNoShape">
+                <a:avLst/>
+              </a:prstTxWarp>
+            </a:bodyPr>
+            <a:lstStyle/>
+            <a:p>
+              <a:endParaRPr lang="id-ID"/>
+            </a:p>
+          </p:txBody>
+        </p:sp>
+        <p:sp>
+          <p:nvSpPr>
+            <p:cNvPr id="85" name="Freeform 30"/>
+            <p:cNvSpPr>
+              <a:spLocks/>
+            </p:cNvSpPr>
+            <p:nvPr/>
+          </p:nvSpPr>
+          <p:spPr bwMode="auto">
+            <a:xfrm>
+              <a:off x="6594475" y="2371725"/>
+              <a:ext cx="1076325" cy="387350"/>
+            </a:xfrm>
+            <a:custGeom>
+              <a:avLst/>
+              <a:gdLst>
+                <a:gd name="T0" fmla="*/ 0 w 678"/>
+                <a:gd name="T1" fmla="*/ 244 h 244"/>
+                <a:gd name="T2" fmla="*/ 0 w 678"/>
+                <a:gd name="T3" fmla="*/ 218 h 244"/>
+                <a:gd name="T4" fmla="*/ 80 w 678"/>
+                <a:gd name="T5" fmla="*/ 209 h 244"/>
+                <a:gd name="T6" fmla="*/ 135 w 678"/>
+                <a:gd name="T7" fmla="*/ 0 h 244"/>
+                <a:gd name="T8" fmla="*/ 543 w 678"/>
+                <a:gd name="T9" fmla="*/ 0 h 244"/>
+                <a:gd name="T10" fmla="*/ 599 w 678"/>
+                <a:gd name="T11" fmla="*/ 209 h 244"/>
+                <a:gd name="T12" fmla="*/ 678 w 678"/>
+                <a:gd name="T13" fmla="*/ 218 h 244"/>
+                <a:gd name="T14" fmla="*/ 678 w 678"/>
+                <a:gd name="T15" fmla="*/ 244 h 244"/>
+                <a:gd name="T16" fmla="*/ 0 w 678"/>
+                <a:gd name="T17" fmla="*/ 244 h 244"/>
+              </a:gdLst>
+              <a:ahLst/>
+              <a:cxnLst>
+                <a:cxn ang="0">
+                  <a:pos x="T0" y="T1"/>
+                </a:cxn>
+                <a:cxn ang="0">
+                  <a:pos x="T2" y="T3"/>
+                </a:cxn>
+                <a:cxn ang="0">
+                  <a:pos x="T4" y="T5"/>
+                </a:cxn>
+                <a:cxn ang="0">
+                  <a:pos x="T6" y="T7"/>
+                </a:cxn>
+                <a:cxn ang="0">
+                  <a:pos x="T8" y="T9"/>
+                </a:cxn>
+                <a:cxn ang="0">
+                  <a:pos x="T10" y="T11"/>
+                </a:cxn>
+                <a:cxn ang="0">
+                  <a:pos x="T12" y="T13"/>
+                </a:cxn>
+                <a:cxn ang="0">
+                  <a:pos x="T14" y="T15"/>
+                </a:cxn>
+                <a:cxn ang="0">
+                  <a:pos x="T16" y="T17"/>
+                </a:cxn>
+              </a:cxnLst>
+              <a:rect l="0" t="0" r="r" b="b"/>
+              <a:pathLst>
+                <a:path w="678" h="244">
+                  <a:moveTo>
+                    <a:pt x="0" y="244"/>
+                  </a:moveTo>
+                  <a:lnTo>
+                    <a:pt x="0" y="218"/>
+                  </a:lnTo>
+                  <a:lnTo>
+                    <a:pt x="80" y="209"/>
+                  </a:lnTo>
+                  <a:lnTo>
+                    <a:pt x="135" y="0"/>
+                  </a:lnTo>
+                  <a:lnTo>
+                    <a:pt x="543" y="0"/>
+                  </a:lnTo>
+                  <a:lnTo>
+                    <a:pt x="599" y="209"/>
+                  </a:lnTo>
+                  <a:lnTo>
+                    <a:pt x="678" y="218"/>
+                  </a:lnTo>
+                  <a:lnTo>
+                    <a:pt x="678" y="244"/>
+                  </a:lnTo>
+                  <a:lnTo>
+                    <a:pt x="0" y="244"/>
+                  </a:lnTo>
+                  <a:close/>
+                </a:path>
+              </a:pathLst>
+            </a:custGeom>
+            <a:solidFill>
+              <a:schemeClr val="bg1">
+                <a:lumMod val="95000"/>
+              </a:schemeClr>
+            </a:solidFill>
+            <a:ln>
+              <a:noFill/>
+            </a:ln>
+          </p:spPr>
+          <p:txBody>
+            <a:bodyPr vert="horz" wrap="square" lIns="91440" tIns="45720" rIns="91440" bIns="45720" numCol="1" anchor="t" anchorCtr="0" compatLnSpc="1">
+              <a:prstTxWarp prst="textNoShape">
+                <a:avLst/>
+              </a:prstTxWarp>
+            </a:bodyPr>
+            <a:lstStyle/>
+            <a:p>
+              <a:endParaRPr lang="id-ID"/>
+            </a:p>
+          </p:txBody>
+        </p:sp>
+        <p:sp>
+          <p:nvSpPr>
+            <p:cNvPr id="86" name="Freeform 31"/>
+            <p:cNvSpPr>
+              <a:spLocks/>
+            </p:cNvSpPr>
+            <p:nvPr/>
+          </p:nvSpPr>
+          <p:spPr bwMode="auto">
+            <a:xfrm>
+              <a:off x="6594475" y="2371725"/>
+              <a:ext cx="1076325" cy="387350"/>
+            </a:xfrm>
+            <a:custGeom>
+              <a:avLst/>
+              <a:gdLst>
+                <a:gd name="T0" fmla="*/ 0 w 678"/>
+                <a:gd name="T1" fmla="*/ 244 h 244"/>
+                <a:gd name="T2" fmla="*/ 0 w 678"/>
+                <a:gd name="T3" fmla="*/ 218 h 244"/>
+                <a:gd name="T4" fmla="*/ 80 w 678"/>
+                <a:gd name="T5" fmla="*/ 209 h 244"/>
+                <a:gd name="T6" fmla="*/ 135 w 678"/>
+                <a:gd name="T7" fmla="*/ 0 h 244"/>
+                <a:gd name="T8" fmla="*/ 543 w 678"/>
+                <a:gd name="T9" fmla="*/ 0 h 244"/>
+                <a:gd name="T10" fmla="*/ 599 w 678"/>
+                <a:gd name="T11" fmla="*/ 209 h 244"/>
+                <a:gd name="T12" fmla="*/ 678 w 678"/>
+                <a:gd name="T13" fmla="*/ 218 h 244"/>
+                <a:gd name="T14" fmla="*/ 678 w 678"/>
+                <a:gd name="T15" fmla="*/ 244 h 244"/>
+                <a:gd name="T16" fmla="*/ 0 w 678"/>
+                <a:gd name="T17" fmla="*/ 244 h 244"/>
+              </a:gdLst>
+              <a:ahLst/>
+              <a:cxnLst>
+                <a:cxn ang="0">
+                  <a:pos x="T0" y="T1"/>
+                </a:cxn>
+                <a:cxn ang="0">
+                  <a:pos x="T2" y="T3"/>
+                </a:cxn>
+                <a:cxn ang="0">
+                  <a:pos x="T4" y="T5"/>
+                </a:cxn>
+                <a:cxn ang="0">
+                  <a:pos x="T6" y="T7"/>
+                </a:cxn>
+                <a:cxn ang="0">
+                  <a:pos x="T8" y="T9"/>
+                </a:cxn>
+                <a:cxn ang="0">
+                  <a:pos x="T10" y="T11"/>
+                </a:cxn>
+                <a:cxn ang="0">
+                  <a:pos x="T12" y="T13"/>
+                </a:cxn>
+                <a:cxn ang="0">
+                  <a:pos x="T14" y="T15"/>
+                </a:cxn>
+                <a:cxn ang="0">
+                  <a:pos x="T16" y="T17"/>
+                </a:cxn>
+              </a:cxnLst>
+              <a:rect l="0" t="0" r="r" b="b"/>
+              <a:pathLst>
+                <a:path w="678" h="244">
+                  <a:moveTo>
+                    <a:pt x="0" y="244"/>
+                  </a:moveTo>
+                  <a:lnTo>
+                    <a:pt x="0" y="218"/>
+                  </a:lnTo>
+                  <a:lnTo>
+                    <a:pt x="80" y="209"/>
+                  </a:lnTo>
+                  <a:lnTo>
+                    <a:pt x="135" y="0"/>
+                  </a:lnTo>
+                  <a:lnTo>
+                    <a:pt x="543" y="0"/>
+                  </a:lnTo>
+                  <a:lnTo>
+                    <a:pt x="599" y="209"/>
+                  </a:lnTo>
+                  <a:lnTo>
+                    <a:pt x="678" y="218"/>
+                  </a:lnTo>
+                  <a:lnTo>
+                    <a:pt x="678" y="244"/>
+                  </a:lnTo>
+                  <a:lnTo>
+                    <a:pt x="0" y="244"/>
+                  </a:lnTo>
+                </a:path>
+              </a:pathLst>
+            </a:custGeom>
+            <a:noFill/>
+            <a:ln>
+              <a:noFill/>
+            </a:ln>
+            <a:extLst>
+              <a:ext uri="{909E8E84-426E-40dd-AFC4-6F175D3DCCD1}">
+                <a14:hiddenFill xmlns:a14="http://schemas.microsoft.com/office/drawing/2010/main" xmlns="">
+                  <a:solidFill>
+                    <a:srgbClr val="FFFFFF"/>
+                  </a:solidFill>
+                </a14:hiddenFill>
+              </a:ext>
+              <a:ext uri="{91240B29-F687-4f45-9708-019B960494DF}">
+                <a14:hiddenLine xmlns:a14="http://schemas.microsoft.com/office/drawing/2010/main" xmlns="" w="9525">
+                  <a:solidFill>
+                    <a:srgbClr val="000000"/>
+                  </a:solidFill>
+                  <a:round/>
+                  <a:headEnd/>
+                  <a:tailEnd/>
+                </a14:hiddenLine>
+              </a:ext>
+            </a:extLst>
+          </p:spPr>
+          <p:txBody>
+            <a:bodyPr vert="horz" wrap="square" lIns="91440" tIns="45720" rIns="91440" bIns="45720" numCol="1" anchor="t" anchorCtr="0" compatLnSpc="1">
+              <a:prstTxWarp prst="textNoShape">
+                <a:avLst/>
+              </a:prstTxWarp>
+            </a:bodyPr>
+            <a:lstStyle/>
+            <a:p>
+              <a:endParaRPr lang="id-ID"/>
+            </a:p>
+          </p:txBody>
+        </p:sp>
+        <p:sp>
+          <p:nvSpPr>
+            <p:cNvPr id="87" name="Rectangle 32"/>
+            <p:cNvSpPr>
+              <a:spLocks noChangeArrowheads="1"/>
+            </p:cNvSpPr>
+            <p:nvPr/>
+          </p:nvSpPr>
+          <p:spPr bwMode="auto">
+            <a:xfrm>
+              <a:off x="5600700" y="268288"/>
+              <a:ext cx="3009900" cy="1695450"/>
+            </a:xfrm>
+            <a:prstGeom prst="rect">
+              <a:avLst/>
+            </a:prstGeom>
+            <a:solidFill>
+              <a:schemeClr val="accent6"/>
+            </a:solidFill>
+            <a:ln>
+              <a:noFill/>
+            </a:ln>
+            <a:extLst>
+              <a:ext uri="{91240B29-F687-4f45-9708-019B960494DF}">
+                <a14:hiddenLine xmlns:a14="http://schemas.microsoft.com/office/drawing/2010/main" xmlns="" w="9525">
+                  <a:solidFill>
+                    <a:srgbClr val="000000"/>
+                  </a:solidFill>
+                  <a:miter lim="800000"/>
+                  <a:headEnd/>
+                  <a:tailEnd/>
+                </a14:hiddenLine>
+              </a:ext>
+            </a:extLst>
+          </p:spPr>
+          <p:txBody>
+            <a:bodyPr vert="horz" wrap="square" lIns="91440" tIns="45720" rIns="91440" bIns="45720" numCol="1" anchor="t" anchorCtr="0" compatLnSpc="1">
+              <a:prstTxWarp prst="textNoShape">
+                <a:avLst/>
+              </a:prstTxWarp>
+            </a:bodyPr>
+            <a:lstStyle/>
+            <a:p>
+              <a:endParaRPr lang="id-ID"/>
+            </a:p>
+          </p:txBody>
+        </p:sp>
+        <p:sp>
+          <p:nvSpPr>
+            <p:cNvPr id="88" name="Freeform 33"/>
+            <p:cNvSpPr>
+              <a:spLocks/>
+            </p:cNvSpPr>
+            <p:nvPr/>
+          </p:nvSpPr>
+          <p:spPr bwMode="auto">
+            <a:xfrm>
+              <a:off x="6797675" y="2371725"/>
+              <a:ext cx="673100" cy="60325"/>
+            </a:xfrm>
+            <a:custGeom>
+              <a:avLst/>
+              <a:gdLst>
+                <a:gd name="T0" fmla="*/ 415 w 424"/>
+                <a:gd name="T1" fmla="*/ 0 h 38"/>
+                <a:gd name="T2" fmla="*/ 7 w 424"/>
+                <a:gd name="T3" fmla="*/ 0 h 38"/>
+                <a:gd name="T4" fmla="*/ 0 w 424"/>
+                <a:gd name="T5" fmla="*/ 38 h 38"/>
+                <a:gd name="T6" fmla="*/ 424 w 424"/>
+                <a:gd name="T7" fmla="*/ 38 h 38"/>
+                <a:gd name="T8" fmla="*/ 415 w 424"/>
+                <a:gd name="T9" fmla="*/ 0 h 38"/>
+              </a:gdLst>
+              <a:ahLst/>
+              <a:cxnLst>
+                <a:cxn ang="0">
+                  <a:pos x="T0" y="T1"/>
+                </a:cxn>
+                <a:cxn ang="0">
+                  <a:pos x="T2" y="T3"/>
+                </a:cxn>
+                <a:cxn ang="0">
+                  <a:pos x="T4" y="T5"/>
+                </a:cxn>
+                <a:cxn ang="0">
+                  <a:pos x="T6" y="T7"/>
+                </a:cxn>
+                <a:cxn ang="0">
+                  <a:pos x="T8" y="T9"/>
+                </a:cxn>
+              </a:cxnLst>
+              <a:rect l="0" t="0" r="r" b="b"/>
+              <a:pathLst>
+                <a:path w="424" h="38">
+                  <a:moveTo>
+                    <a:pt x="415" y="0"/>
+                  </a:moveTo>
+                  <a:lnTo>
+                    <a:pt x="7" y="0"/>
+                  </a:lnTo>
+                  <a:lnTo>
+                    <a:pt x="0" y="38"/>
+                  </a:lnTo>
+                  <a:lnTo>
+                    <a:pt x="424" y="38"/>
+                  </a:lnTo>
+                  <a:lnTo>
+                    <a:pt x="415" y="0"/>
+                  </a:lnTo>
+                  <a:close/>
+                </a:path>
+              </a:pathLst>
+            </a:custGeom>
+            <a:solidFill>
+              <a:schemeClr val="tx1">
+                <a:alpha val="5000"/>
+              </a:schemeClr>
+            </a:solidFill>
+            <a:ln>
+              <a:noFill/>
+            </a:ln>
+          </p:spPr>
+          <p:txBody>
+            <a:bodyPr vert="horz" wrap="square" lIns="91440" tIns="45720" rIns="91440" bIns="45720" numCol="1" anchor="t" anchorCtr="0" compatLnSpc="1">
+              <a:prstTxWarp prst="textNoShape">
+                <a:avLst/>
+              </a:prstTxWarp>
+            </a:bodyPr>
+            <a:lstStyle/>
+            <a:p>
+              <a:endParaRPr lang="id-ID"/>
+            </a:p>
+          </p:txBody>
+        </p:sp>
+        <p:sp>
+          <p:nvSpPr>
+            <p:cNvPr id="89" name="Freeform 34"/>
+            <p:cNvSpPr>
+              <a:spLocks/>
+            </p:cNvSpPr>
+            <p:nvPr/>
+          </p:nvSpPr>
+          <p:spPr bwMode="auto">
+            <a:xfrm>
+              <a:off x="6797675" y="2371725"/>
+              <a:ext cx="673100" cy="60325"/>
+            </a:xfrm>
+            <a:custGeom>
+              <a:avLst/>
+              <a:gdLst>
+                <a:gd name="T0" fmla="*/ 415 w 424"/>
+                <a:gd name="T1" fmla="*/ 0 h 38"/>
+                <a:gd name="T2" fmla="*/ 7 w 424"/>
+                <a:gd name="T3" fmla="*/ 0 h 38"/>
+                <a:gd name="T4" fmla="*/ 0 w 424"/>
+                <a:gd name="T5" fmla="*/ 38 h 38"/>
+                <a:gd name="T6" fmla="*/ 424 w 424"/>
+                <a:gd name="T7" fmla="*/ 38 h 38"/>
+                <a:gd name="T8" fmla="*/ 415 w 424"/>
+                <a:gd name="T9" fmla="*/ 0 h 38"/>
+              </a:gdLst>
+              <a:ahLst/>
+              <a:cxnLst>
+                <a:cxn ang="0">
+                  <a:pos x="T0" y="T1"/>
+                </a:cxn>
+                <a:cxn ang="0">
+                  <a:pos x="T2" y="T3"/>
+                </a:cxn>
+                <a:cxn ang="0">
+                  <a:pos x="T4" y="T5"/>
+                </a:cxn>
+                <a:cxn ang="0">
+                  <a:pos x="T6" y="T7"/>
+                </a:cxn>
+                <a:cxn ang="0">
+                  <a:pos x="T8" y="T9"/>
+                </a:cxn>
+              </a:cxnLst>
+              <a:rect l="0" t="0" r="r" b="b"/>
+              <a:pathLst>
+                <a:path w="424" h="38">
+                  <a:moveTo>
+                    <a:pt x="415" y="0"/>
+                  </a:moveTo>
+                  <a:lnTo>
+                    <a:pt x="7" y="0"/>
+                  </a:lnTo>
+                  <a:lnTo>
+                    <a:pt x="0" y="38"/>
+                  </a:lnTo>
+                  <a:lnTo>
+                    <a:pt x="424" y="38"/>
+                  </a:lnTo>
+                  <a:lnTo>
+                    <a:pt x="415" y="0"/>
+                  </a:lnTo>
+                </a:path>
+              </a:pathLst>
+            </a:custGeom>
+            <a:noFill/>
+            <a:ln>
+              <a:noFill/>
+            </a:ln>
+            <a:extLst>
+              <a:ext uri="{909E8E84-426E-40dd-AFC4-6F175D3DCCD1}">
+                <a14:hiddenFill xmlns:a14="http://schemas.microsoft.com/office/drawing/2010/main" xmlns="">
+                  <a:solidFill>
+                    <a:srgbClr val="FFFFFF"/>
+                  </a:solidFill>
+                </a14:hiddenFill>
+              </a:ext>
+              <a:ext uri="{91240B29-F687-4f45-9708-019B960494DF}">
+                <a14:hiddenLine xmlns:a14="http://schemas.microsoft.com/office/drawing/2010/main" xmlns="" w="9525">
+                  <a:solidFill>
+                    <a:srgbClr val="000000"/>
+                  </a:solidFill>
+                  <a:round/>
+                  <a:headEnd/>
+                  <a:tailEnd/>
+                </a14:hiddenLine>
+              </a:ext>
+            </a:extLst>
+          </p:spPr>
+          <p:txBody>
+            <a:bodyPr vert="horz" wrap="square" lIns="91440" tIns="45720" rIns="91440" bIns="45720" numCol="1" anchor="t" anchorCtr="0" compatLnSpc="1">
+              <a:prstTxWarp prst="textNoShape">
+                <a:avLst/>
+              </a:prstTxWarp>
+            </a:bodyPr>
+            <a:lstStyle/>
+            <a:p>
+              <a:endParaRPr lang="id-ID"/>
+            </a:p>
+          </p:txBody>
+        </p:sp>
+      </p:grpSp>
+      <p:sp>
+        <p:nvSpPr>
+          <p:cNvPr id="94" name="TextBox 93"/>
+          <p:cNvSpPr txBox="1"/>
+          <p:nvPr/>
+        </p:nvSpPr>
+        <p:spPr>
+          <a:xfrm>
+            <a:off x="5401740" y="4228564"/>
+            <a:ext cx="1298534" cy="307777"/>
+          </a:xfrm>
+          <a:prstGeom prst="rect">
+            <a:avLst/>
+          </a:prstGeom>
+          <a:noFill/>
+        </p:spPr>
+        <p:txBody>
+          <a:bodyPr wrap="square" rtlCol="0">
+            <a:spAutoFit/>
+          </a:bodyPr>
+          <a:lstStyle/>
+          <a:p>
+            <a:pPr algn="ctr"/>
+            <a:r>
+              <a:rPr lang="id-ID" sz="1400" dirty="0" smtClean="0">
+                <a:solidFill>
+                  <a:schemeClr val="bg1"/>
+                </a:solidFill>
+                <a:latin typeface="+mj-lt"/>
+              </a:rPr>
+              <a:t>Web Browser</a:t>
+            </a:r>
+            <a:endParaRPr lang="id-ID" sz="1400" dirty="0">
+              <a:solidFill>
+                <a:schemeClr val="bg1"/>
+              </a:solidFill>
+              <a:latin typeface="+mj-lt"/>
+            </a:endParaRPr>
+          </a:p>
+        </p:txBody>
+      </p:sp>
+      <p:sp>
+        <p:nvSpPr>
+          <p:cNvPr id="98" name="TextBox 97"/>
+          <p:cNvSpPr txBox="1"/>
+          <p:nvPr/>
+        </p:nvSpPr>
+        <p:spPr>
+          <a:xfrm>
+            <a:off x="2793318" y="268876"/>
+            <a:ext cx="6875831" cy="1754326"/>
+          </a:xfrm>
+          <a:prstGeom prst="rect">
+            <a:avLst/>
+          </a:prstGeom>
+          <a:noFill/>
+        </p:spPr>
+        <p:txBody>
+          <a:bodyPr wrap="square" rtlCol="0">
+            <a:spAutoFit/>
+          </a:bodyPr>
+          <a:lstStyle/>
+          <a:p>
+            <a:pPr algn="ctr"/>
+            <a:r>
+              <a:rPr lang="id-ID" sz="3600" b="1" dirty="0" err="1" smtClean="0">
+                <a:solidFill>
+                  <a:schemeClr val="bg1"/>
+                </a:solidFill>
+              </a:rPr>
+              <a:t>Lesson</a:t>
+            </a:r>
+            <a:r>
+              <a:rPr lang="id-ID" sz="3600" b="1" dirty="0" smtClean="0">
+                <a:solidFill>
+                  <a:schemeClr val="bg1"/>
+                </a:solidFill>
+              </a:rPr>
+              <a:t> 1: </a:t>
+            </a:r>
+            <a:r>
+              <a:rPr lang="en-US" sz="3600" b="1" dirty="0" smtClean="0">
+                <a:solidFill>
+                  <a:schemeClr val="bg1"/>
+                </a:solidFill>
+              </a:rPr>
+              <a:t>Create </a:t>
+            </a:r>
+            <a:r>
+              <a:rPr lang="en-US" sz="3600" b="1" dirty="0">
+                <a:solidFill>
+                  <a:schemeClr val="bg1"/>
+                </a:solidFill>
+              </a:rPr>
+              <a:t>a </a:t>
+            </a:r>
+            <a:r>
+              <a:rPr lang="en-US" sz="3600" b="1" dirty="0" err="1">
+                <a:solidFill>
+                  <a:schemeClr val="bg1"/>
+                </a:solidFill>
+              </a:rPr>
+              <a:t>serverless</a:t>
+            </a:r>
+            <a:r>
+              <a:rPr lang="en-US" sz="3600" b="1" dirty="0">
+                <a:solidFill>
+                  <a:schemeClr val="bg1"/>
+                </a:solidFill>
+              </a:rPr>
+              <a:t> transcoding pipeline in AWS</a:t>
+            </a:r>
+          </a:p>
+          <a:p>
+            <a:pPr algn="ctr"/>
+            <a:r>
+              <a:rPr lang="id-ID" sz="3600" b="1" dirty="0" smtClean="0">
+                <a:solidFill>
+                  <a:schemeClr val="bg1"/>
+                </a:solidFill>
+              </a:rPr>
+              <a:t> </a:t>
+            </a:r>
+            <a:endParaRPr lang="id-ID" sz="3600" b="1" dirty="0">
+              <a:solidFill>
+                <a:schemeClr val="bg1"/>
+              </a:solidFill>
+            </a:endParaRPr>
+          </a:p>
+        </p:txBody>
+      </p:sp>
+      <p:sp>
+        <p:nvSpPr>
+          <p:cNvPr id="3" name="Rectangle 2"/>
+          <p:cNvSpPr/>
+          <p:nvPr/>
+        </p:nvSpPr>
+        <p:spPr>
+          <a:xfrm>
+            <a:off x="8551395" y="2645997"/>
+            <a:ext cx="2624606" cy="559326"/>
+          </a:xfrm>
+          <a:prstGeom prst="rect">
+            <a:avLst/>
+          </a:prstGeom>
+        </p:spPr>
+        <p:style>
+          <a:lnRef idx="2">
+            <a:schemeClr val="accent1">
+              <a:shade val="50000"/>
+            </a:schemeClr>
+          </a:lnRef>
+          <a:fillRef idx="1">
+            <a:schemeClr val="accent1"/>
+          </a:fillRef>
+          <a:effectRef idx="0">
+            <a:schemeClr val="accent1"/>
+          </a:effectRef>
+          <a:fontRef idx="minor">
+            <a:schemeClr val="lt1"/>
+          </a:fontRef>
+        </p:style>
+        <p:txBody>
+          <a:bodyPr rtlCol="0" anchor="ctr"/>
+          <a:lstStyle/>
+          <a:p>
+            <a:pPr algn="ctr"/>
+            <a:r>
+              <a:rPr lang="en-US" dirty="0" smtClean="0"/>
+              <a:t>Video Transcoder</a:t>
+            </a:r>
+            <a:endParaRPr lang="en-US" dirty="0"/>
+          </a:p>
+        </p:txBody>
+      </p:sp>
+      <p:sp>
+        <p:nvSpPr>
+          <p:cNvPr id="69" name="Rectangle 68"/>
+          <p:cNvSpPr/>
+          <p:nvPr/>
+        </p:nvSpPr>
+        <p:spPr>
+          <a:xfrm>
+            <a:off x="8545712" y="3443613"/>
+            <a:ext cx="2624606" cy="592947"/>
+          </a:xfrm>
+          <a:prstGeom prst="rect">
+            <a:avLst/>
+          </a:prstGeom>
+        </p:spPr>
+        <p:style>
+          <a:lnRef idx="2">
+            <a:schemeClr val="accent1">
+              <a:shade val="50000"/>
+            </a:schemeClr>
+          </a:lnRef>
+          <a:fillRef idx="1">
+            <a:schemeClr val="accent1"/>
+          </a:fillRef>
+          <a:effectRef idx="0">
+            <a:schemeClr val="accent1"/>
+          </a:effectRef>
+          <a:fontRef idx="minor">
+            <a:schemeClr val="lt1"/>
+          </a:fontRef>
+        </p:style>
+        <p:txBody>
+          <a:bodyPr rtlCol="0" anchor="ctr"/>
+          <a:lstStyle/>
+          <a:p>
+            <a:pPr algn="ctr"/>
+            <a:r>
+              <a:rPr lang="en-US" dirty="0" smtClean="0"/>
+              <a:t>Media Storage</a:t>
+            </a:r>
+            <a:endParaRPr lang="en-US" dirty="0"/>
+          </a:p>
+        </p:txBody>
+      </p:sp>
+      <p:sp>
+        <p:nvSpPr>
+          <p:cNvPr id="71" name="Rectangle 70"/>
+          <p:cNvSpPr/>
+          <p:nvPr/>
+        </p:nvSpPr>
+        <p:spPr>
+          <a:xfrm>
+            <a:off x="4742102" y="5630897"/>
+            <a:ext cx="2624606" cy="824160"/>
+          </a:xfrm>
+          <a:prstGeom prst="rect">
+            <a:avLst/>
+          </a:prstGeom>
+          <a:solidFill>
+            <a:schemeClr val="accent1">
+              <a:alpha val="5000"/>
+            </a:schemeClr>
+          </a:solidFill>
+          <a:ln>
+            <a:solidFill>
+              <a:schemeClr val="bg1">
+                <a:lumMod val="75000"/>
+                <a:alpha val="5000"/>
+              </a:schemeClr>
+            </a:solidFill>
+          </a:ln>
+        </p:spPr>
+        <p:style>
+          <a:lnRef idx="2">
+            <a:schemeClr val="accent1">
+              <a:shade val="50000"/>
+            </a:schemeClr>
+          </a:lnRef>
+          <a:fillRef idx="1">
+            <a:schemeClr val="accent1"/>
+          </a:fillRef>
+          <a:effectRef idx="0">
+            <a:schemeClr val="accent1"/>
+          </a:effectRef>
+          <a:fontRef idx="minor">
+            <a:schemeClr val="lt1"/>
+          </a:fontRef>
+        </p:style>
+        <p:txBody>
+          <a:bodyPr rtlCol="0" anchor="ctr"/>
+          <a:lstStyle/>
+          <a:p>
+            <a:pPr algn="ctr"/>
+            <a:r>
+              <a:rPr lang="en-US" dirty="0" smtClean="0">
+                <a:solidFill>
+                  <a:schemeClr val="lt1">
+                    <a:alpha val="7000"/>
+                  </a:schemeClr>
+                </a:solidFill>
+              </a:rPr>
+              <a:t>Custom API</a:t>
+            </a:r>
+            <a:endParaRPr lang="en-US" dirty="0">
+              <a:solidFill>
+                <a:schemeClr val="lt1">
+                  <a:alpha val="7000"/>
+                </a:schemeClr>
+              </a:solidFill>
+            </a:endParaRPr>
+          </a:p>
+        </p:txBody>
+      </p:sp>
+      <p:sp>
+        <p:nvSpPr>
+          <p:cNvPr id="72" name="Rectangle 71"/>
+          <p:cNvSpPr/>
+          <p:nvPr/>
+        </p:nvSpPr>
+        <p:spPr>
+          <a:xfrm>
+            <a:off x="1002192" y="1919123"/>
+            <a:ext cx="2624605" cy="824160"/>
+          </a:xfrm>
+          <a:prstGeom prst="rect">
+            <a:avLst/>
+          </a:prstGeom>
+          <a:solidFill>
+            <a:schemeClr val="accent1">
+              <a:alpha val="5000"/>
+            </a:schemeClr>
+          </a:solidFill>
+          <a:ln>
+            <a:solidFill>
+              <a:schemeClr val="bg1">
+                <a:lumMod val="75000"/>
+                <a:alpha val="5000"/>
+              </a:schemeClr>
+            </a:solidFill>
+          </a:ln>
+        </p:spPr>
+        <p:style>
+          <a:lnRef idx="2">
+            <a:schemeClr val="accent1">
+              <a:shade val="50000"/>
+            </a:schemeClr>
+          </a:lnRef>
+          <a:fillRef idx="1">
+            <a:schemeClr val="accent1"/>
+          </a:fillRef>
+          <a:effectRef idx="0">
+            <a:schemeClr val="accent1"/>
+          </a:effectRef>
+          <a:fontRef idx="minor">
+            <a:schemeClr val="lt1"/>
+          </a:fontRef>
+        </p:style>
+        <p:txBody>
+          <a:bodyPr rtlCol="0" anchor="ctr"/>
+          <a:lstStyle/>
+          <a:p>
+            <a:pPr algn="ctr"/>
+            <a:r>
+              <a:rPr lang="en-US" dirty="0" smtClean="0">
+                <a:solidFill>
+                  <a:schemeClr val="lt1">
+                    <a:alpha val="7000"/>
+                  </a:schemeClr>
+                </a:solidFill>
+              </a:rPr>
+              <a:t>Web Application</a:t>
+            </a:r>
+            <a:endParaRPr lang="en-US" dirty="0">
+              <a:solidFill>
+                <a:schemeClr val="lt1">
+                  <a:alpha val="7000"/>
+                </a:schemeClr>
+              </a:solidFill>
+            </a:endParaRPr>
+          </a:p>
+        </p:txBody>
+      </p:sp>
+      <p:sp>
+        <p:nvSpPr>
+          <p:cNvPr id="73" name="Rectangle 72"/>
+          <p:cNvSpPr/>
+          <p:nvPr/>
+        </p:nvSpPr>
+        <p:spPr>
+          <a:xfrm>
+            <a:off x="8545712" y="4306004"/>
+            <a:ext cx="2624606" cy="566329"/>
+          </a:xfrm>
+          <a:prstGeom prst="rect">
+            <a:avLst/>
+          </a:prstGeom>
+          <a:solidFill>
+            <a:schemeClr val="accent1">
+              <a:alpha val="5000"/>
+            </a:schemeClr>
+          </a:solidFill>
+          <a:ln>
+            <a:solidFill>
+              <a:schemeClr val="bg1">
+                <a:lumMod val="75000"/>
+                <a:alpha val="5000"/>
+              </a:schemeClr>
+            </a:solidFill>
+          </a:ln>
+        </p:spPr>
+        <p:style>
+          <a:lnRef idx="2">
+            <a:schemeClr val="accent1">
+              <a:shade val="50000"/>
+            </a:schemeClr>
+          </a:lnRef>
+          <a:fillRef idx="1">
+            <a:schemeClr val="accent1"/>
+          </a:fillRef>
+          <a:effectRef idx="0">
+            <a:schemeClr val="accent1"/>
+          </a:effectRef>
+          <a:fontRef idx="minor">
+            <a:schemeClr val="lt1"/>
+          </a:fontRef>
+        </p:style>
+        <p:txBody>
+          <a:bodyPr rtlCol="0" anchor="ctr"/>
+          <a:lstStyle/>
+          <a:p>
+            <a:pPr algn="ctr"/>
+            <a:r>
+              <a:rPr lang="en-US" dirty="0">
+                <a:solidFill>
+                  <a:schemeClr val="lt1">
+                    <a:alpha val="7000"/>
+                  </a:schemeClr>
+                </a:solidFill>
+              </a:rPr>
+              <a:t>Video List Database</a:t>
+            </a:r>
+            <a:endParaRPr lang="en-US" dirty="0">
+              <a:solidFill>
+                <a:schemeClr val="lt1">
+                  <a:alpha val="7000"/>
+                </a:schemeClr>
+              </a:solidFill>
+            </a:endParaRPr>
+          </a:p>
+        </p:txBody>
+      </p:sp>
+      <p:cxnSp>
+        <p:nvCxnSpPr>
+          <p:cNvPr id="74" name="Straight Connector 73"/>
+          <p:cNvCxnSpPr>
+            <a:stCxn id="72" idx="3"/>
+          </p:cNvCxnSpPr>
+          <p:nvPr/>
+        </p:nvCxnSpPr>
+        <p:spPr>
+          <a:xfrm>
+            <a:off x="3626797" y="2331203"/>
+            <a:ext cx="1533768" cy="1022799"/>
+          </a:xfrm>
+          <a:prstGeom prst="line">
+            <a:avLst/>
+          </a:prstGeom>
+          <a:ln w="38100">
+            <a:solidFill>
+              <a:schemeClr val="bg1">
+                <a:lumMod val="75000"/>
+                <a:alpha val="5000"/>
+              </a:schemeClr>
+            </a:solidFill>
+            <a:prstDash val="solid"/>
+            <a:headEnd type="none" w="med" len="med"/>
+            <a:tailEnd type="triangle" w="med" len="med"/>
+          </a:ln>
+        </p:spPr>
+        <p:style>
+          <a:lnRef idx="1">
+            <a:schemeClr val="accent1"/>
+          </a:lnRef>
+          <a:fillRef idx="0">
+            <a:schemeClr val="accent1"/>
+          </a:fillRef>
+          <a:effectRef idx="0">
+            <a:schemeClr val="accent1"/>
+          </a:effectRef>
+          <a:fontRef idx="minor">
+            <a:schemeClr val="tx1"/>
+          </a:fontRef>
+        </p:style>
+      </p:cxnSp>
+      <p:cxnSp>
+        <p:nvCxnSpPr>
+          <p:cNvPr id="91" name="Straight Connector 90"/>
+          <p:cNvCxnSpPr>
+            <a:stCxn id="94" idx="2"/>
+            <a:endCxn id="71" idx="0"/>
+          </p:cNvCxnSpPr>
+          <p:nvPr/>
+        </p:nvCxnSpPr>
+        <p:spPr>
+          <a:xfrm>
+            <a:off x="6051007" y="4536341"/>
+            <a:ext cx="3398" cy="1094556"/>
+          </a:xfrm>
+          <a:prstGeom prst="line">
+            <a:avLst/>
+          </a:prstGeom>
+          <a:ln w="38100">
+            <a:solidFill>
+              <a:schemeClr val="bg1">
+                <a:lumMod val="75000"/>
+                <a:alpha val="5000"/>
+              </a:schemeClr>
+            </a:solidFill>
+            <a:prstDash val="solid"/>
+            <a:headEnd type="none" w="med" len="med"/>
+            <a:tailEnd type="triangle" w="med" len="med"/>
+          </a:ln>
+        </p:spPr>
+        <p:style>
+          <a:lnRef idx="1">
+            <a:schemeClr val="accent1"/>
+          </a:lnRef>
+          <a:fillRef idx="0">
+            <a:schemeClr val="accent1"/>
+          </a:fillRef>
+          <a:effectRef idx="0">
+            <a:schemeClr val="accent1"/>
+          </a:effectRef>
+          <a:fontRef idx="minor">
+            <a:schemeClr val="tx1"/>
+          </a:fontRef>
+        </p:style>
+      </p:cxnSp>
+      <p:cxnSp>
+        <p:nvCxnSpPr>
+          <p:cNvPr id="92" name="Straight Connector 91"/>
+          <p:cNvCxnSpPr>
+            <a:stCxn id="3" idx="2"/>
+            <a:endCxn id="69" idx="0"/>
+          </p:cNvCxnSpPr>
+          <p:nvPr/>
+        </p:nvCxnSpPr>
+        <p:spPr>
+          <a:xfrm flipH="1">
+            <a:off x="9858015" y="3205323"/>
+            <a:ext cx="5683" cy="238290"/>
+          </a:xfrm>
+          <a:prstGeom prst="line">
+            <a:avLst/>
+          </a:prstGeom>
+          <a:ln w="38100">
+            <a:solidFill>
+              <a:schemeClr val="bg1">
+                <a:lumMod val="75000"/>
+              </a:schemeClr>
+            </a:solidFill>
+            <a:prstDash val="solid"/>
+            <a:headEnd type="none" w="med" len="med"/>
+            <a:tailEnd type="triangle" w="med" len="med"/>
+          </a:ln>
+        </p:spPr>
+        <p:style>
+          <a:lnRef idx="1">
+            <a:schemeClr val="accent1"/>
+          </a:lnRef>
+          <a:fillRef idx="0">
+            <a:schemeClr val="accent1"/>
+          </a:fillRef>
+          <a:effectRef idx="0">
+            <a:schemeClr val="accent1"/>
+          </a:effectRef>
+          <a:fontRef idx="minor">
+            <a:schemeClr val="tx1"/>
+          </a:fontRef>
+        </p:style>
+      </p:cxnSp>
+      <p:grpSp>
+        <p:nvGrpSpPr>
+          <p:cNvPr id="76" name="Group 75"/>
+          <p:cNvGrpSpPr/>
+          <p:nvPr/>
+        </p:nvGrpSpPr>
+        <p:grpSpPr>
+          <a:xfrm>
+            <a:off x="5257754" y="3356854"/>
+            <a:ext cx="479416" cy="863449"/>
+            <a:chOff x="7296151" y="4556125"/>
+            <a:chExt cx="758824" cy="1330325"/>
+          </a:xfrm>
+        </p:grpSpPr>
+        <p:sp>
+          <p:nvSpPr>
+            <p:cNvPr id="77" name="Freeform 38"/>
+            <p:cNvSpPr>
+              <a:spLocks/>
+            </p:cNvSpPr>
+            <p:nvPr/>
+          </p:nvSpPr>
+          <p:spPr bwMode="auto">
+            <a:xfrm>
+              <a:off x="7296151" y="4556125"/>
+              <a:ext cx="758824" cy="1330325"/>
+            </a:xfrm>
+            <a:custGeom>
+              <a:avLst/>
+              <a:gdLst>
+                <a:gd name="T0" fmla="*/ 174 w 199"/>
+                <a:gd name="T1" fmla="*/ 0 h 352"/>
+                <a:gd name="T2" fmla="*/ 26 w 199"/>
+                <a:gd name="T3" fmla="*/ 0 h 352"/>
+                <a:gd name="T4" fmla="*/ 0 w 199"/>
+                <a:gd name="T5" fmla="*/ 26 h 352"/>
+                <a:gd name="T6" fmla="*/ 0 w 199"/>
+                <a:gd name="T7" fmla="*/ 327 h 352"/>
+                <a:gd name="T8" fmla="*/ 26 w 199"/>
+                <a:gd name="T9" fmla="*/ 352 h 352"/>
+                <a:gd name="T10" fmla="*/ 174 w 199"/>
+                <a:gd name="T11" fmla="*/ 352 h 352"/>
+                <a:gd name="T12" fmla="*/ 199 w 199"/>
+                <a:gd name="T13" fmla="*/ 327 h 352"/>
+                <a:gd name="T14" fmla="*/ 199 w 199"/>
+                <a:gd name="T15" fmla="*/ 26 h 352"/>
+                <a:gd name="T16" fmla="*/ 174 w 199"/>
+                <a:gd name="T17" fmla="*/ 0 h 352"/>
+              </a:gdLst>
+              <a:ahLst/>
+              <a:cxnLst>
+                <a:cxn ang="0">
+                  <a:pos x="T0" y="T1"/>
+                </a:cxn>
+                <a:cxn ang="0">
+                  <a:pos x="T2" y="T3"/>
+                </a:cxn>
+                <a:cxn ang="0">
+                  <a:pos x="T4" y="T5"/>
+                </a:cxn>
+                <a:cxn ang="0">
+                  <a:pos x="T6" y="T7"/>
+                </a:cxn>
+                <a:cxn ang="0">
+                  <a:pos x="T8" y="T9"/>
+                </a:cxn>
+                <a:cxn ang="0">
+                  <a:pos x="T10" y="T11"/>
+                </a:cxn>
+                <a:cxn ang="0">
+                  <a:pos x="T12" y="T13"/>
+                </a:cxn>
+                <a:cxn ang="0">
+                  <a:pos x="T14" y="T15"/>
+                </a:cxn>
+                <a:cxn ang="0">
+                  <a:pos x="T16" y="T17"/>
+                </a:cxn>
+              </a:cxnLst>
+              <a:rect l="0" t="0" r="r" b="b"/>
+              <a:pathLst>
+                <a:path w="199" h="352">
+                  <a:moveTo>
+                    <a:pt x="174" y="0"/>
+                  </a:moveTo>
+                  <a:cubicBezTo>
+                    <a:pt x="26" y="0"/>
+                    <a:pt x="26" y="0"/>
+                    <a:pt x="26" y="0"/>
+                  </a:cubicBezTo>
+                  <a:cubicBezTo>
+                    <a:pt x="11" y="0"/>
+                    <a:pt x="0" y="12"/>
+                    <a:pt x="0" y="26"/>
+                  </a:cubicBezTo>
+                  <a:cubicBezTo>
+                    <a:pt x="0" y="327"/>
+                    <a:pt x="0" y="327"/>
+                    <a:pt x="0" y="327"/>
+                  </a:cubicBezTo>
+                  <a:cubicBezTo>
+                    <a:pt x="0" y="341"/>
+                    <a:pt x="11" y="352"/>
+                    <a:pt x="26" y="352"/>
+                  </a:cubicBezTo>
+                  <a:cubicBezTo>
+                    <a:pt x="174" y="352"/>
+                    <a:pt x="174" y="352"/>
+                    <a:pt x="174" y="352"/>
+                  </a:cubicBezTo>
+                  <a:cubicBezTo>
+                    <a:pt x="188" y="352"/>
+                    <a:pt x="199" y="341"/>
+                    <a:pt x="199" y="327"/>
+                  </a:cubicBezTo>
+                  <a:cubicBezTo>
+                    <a:pt x="199" y="26"/>
+                    <a:pt x="199" y="26"/>
+                    <a:pt x="199" y="26"/>
+                  </a:cubicBezTo>
+                  <a:cubicBezTo>
+                    <a:pt x="199" y="12"/>
+                    <a:pt x="188" y="0"/>
+                    <a:pt x="174" y="0"/>
+                  </a:cubicBezTo>
+                  <a:close/>
+                </a:path>
+              </a:pathLst>
+            </a:custGeom>
+            <a:solidFill>
+              <a:schemeClr val="tx1">
+                <a:lumMod val="65000"/>
+                <a:lumOff val="35000"/>
+              </a:schemeClr>
+            </a:solidFill>
+            <a:ln>
+              <a:noFill/>
+            </a:ln>
+            <a:effectLst>
+              <a:outerShdw blurRad="127000" dir="13500000" sy="23000" kx="1200000" algn="br" rotWithShape="0">
+                <a:prstClr val="black">
+                  <a:alpha val="10000"/>
+                </a:prstClr>
+              </a:outerShdw>
+            </a:effectLst>
+          </p:spPr>
+          <p:txBody>
+            <a:bodyPr vert="horz" wrap="square" lIns="91440" tIns="45720" rIns="91440" bIns="45720" numCol="1" anchor="t" anchorCtr="0" compatLnSpc="1">
+              <a:prstTxWarp prst="textNoShape">
+                <a:avLst/>
+              </a:prstTxWarp>
+            </a:bodyPr>
+            <a:lstStyle/>
+            <a:p>
+              <a:endParaRPr lang="id-ID"/>
+            </a:p>
+          </p:txBody>
+        </p:sp>
+        <p:sp>
+          <p:nvSpPr>
+            <p:cNvPr id="78" name="Rectangle 39"/>
+            <p:cNvSpPr>
+              <a:spLocks noChangeArrowheads="1"/>
+            </p:cNvSpPr>
+            <p:nvPr/>
+          </p:nvSpPr>
+          <p:spPr bwMode="auto">
+            <a:xfrm>
+              <a:off x="7379223" y="4718050"/>
+              <a:ext cx="612775" cy="919163"/>
+            </a:xfrm>
+            <a:prstGeom prst="rect">
+              <a:avLst/>
+            </a:prstGeom>
+            <a:solidFill>
+              <a:schemeClr val="accent6"/>
+            </a:solidFill>
+            <a:ln>
+              <a:noFill/>
+            </a:ln>
+          </p:spPr>
+          <p:txBody>
+            <a:bodyPr vert="horz" wrap="square" lIns="91440" tIns="45720" rIns="91440" bIns="45720" numCol="1" anchor="t" anchorCtr="0" compatLnSpc="1">
+              <a:prstTxWarp prst="textNoShape">
+                <a:avLst/>
+              </a:prstTxWarp>
+            </a:bodyPr>
+            <a:lstStyle/>
+            <a:p>
+              <a:endParaRPr lang="id-ID"/>
+            </a:p>
+          </p:txBody>
+        </p:sp>
+        <p:sp>
+          <p:nvSpPr>
+            <p:cNvPr id="79" name="Freeform 40"/>
+            <p:cNvSpPr>
+              <a:spLocks/>
+            </p:cNvSpPr>
+            <p:nvPr/>
+          </p:nvSpPr>
+          <p:spPr bwMode="auto">
+            <a:xfrm>
+              <a:off x="7543800" y="4627563"/>
+              <a:ext cx="263525" cy="26988"/>
+            </a:xfrm>
+            <a:custGeom>
+              <a:avLst/>
+              <a:gdLst>
+                <a:gd name="T0" fmla="*/ 166 w 166"/>
+                <a:gd name="T1" fmla="*/ 17 h 17"/>
+                <a:gd name="T2" fmla="*/ 0 w 166"/>
+                <a:gd name="T3" fmla="*/ 17 h 17"/>
+                <a:gd name="T4" fmla="*/ 0 w 166"/>
+                <a:gd name="T5" fmla="*/ 0 h 17"/>
+                <a:gd name="T6" fmla="*/ 166 w 166"/>
+                <a:gd name="T7" fmla="*/ 0 h 17"/>
+                <a:gd name="T8" fmla="*/ 166 w 166"/>
+                <a:gd name="T9" fmla="*/ 17 h 17"/>
+                <a:gd name="T10" fmla="*/ 166 w 166"/>
+                <a:gd name="T11" fmla="*/ 17 h 17"/>
+              </a:gdLst>
+              <a:ahLst/>
+              <a:cxnLst>
+                <a:cxn ang="0">
+                  <a:pos x="T0" y="T1"/>
+                </a:cxn>
+                <a:cxn ang="0">
+                  <a:pos x="T2" y="T3"/>
+                </a:cxn>
+                <a:cxn ang="0">
+                  <a:pos x="T4" y="T5"/>
+                </a:cxn>
+                <a:cxn ang="0">
+                  <a:pos x="T6" y="T7"/>
+                </a:cxn>
+                <a:cxn ang="0">
+                  <a:pos x="T8" y="T9"/>
+                </a:cxn>
+                <a:cxn ang="0">
+                  <a:pos x="T10" y="T11"/>
+                </a:cxn>
+              </a:cxnLst>
+              <a:rect l="0" t="0" r="r" b="b"/>
+              <a:pathLst>
+                <a:path w="166" h="17">
+                  <a:moveTo>
+                    <a:pt x="166" y="17"/>
+                  </a:moveTo>
+                  <a:lnTo>
+                    <a:pt x="0" y="17"/>
+                  </a:lnTo>
+                  <a:lnTo>
+                    <a:pt x="0" y="0"/>
+                  </a:lnTo>
+                  <a:lnTo>
+                    <a:pt x="166" y="0"/>
+                  </a:lnTo>
+                  <a:lnTo>
+                    <a:pt x="166" y="17"/>
+                  </a:lnTo>
+                  <a:lnTo>
+                    <a:pt x="166" y="17"/>
+                  </a:lnTo>
+                  <a:close/>
+                </a:path>
+              </a:pathLst>
+            </a:custGeom>
+            <a:solidFill>
+              <a:srgbClr val="FFFFFF"/>
+            </a:solidFill>
+            <a:ln>
+              <a:noFill/>
+            </a:ln>
+            <a:extLst>
+              <a:ext uri="{91240B29-F687-4f45-9708-019B960494DF}">
+                <a14:hiddenLine xmlns:a14="http://schemas.microsoft.com/office/drawing/2010/main" xmlns="" w="9525">
+                  <a:solidFill>
+                    <a:srgbClr val="000000"/>
+                  </a:solidFill>
+                  <a:round/>
+                  <a:headEnd/>
+                  <a:tailEnd/>
+                </a14:hiddenLine>
+              </a:ext>
+            </a:extLst>
+          </p:spPr>
+          <p:txBody>
+            <a:bodyPr vert="horz" wrap="square" lIns="91440" tIns="45720" rIns="91440" bIns="45720" numCol="1" anchor="t" anchorCtr="0" compatLnSpc="1">
+              <a:prstTxWarp prst="textNoShape">
+                <a:avLst/>
+              </a:prstTxWarp>
+            </a:bodyPr>
+            <a:lstStyle/>
+            <a:p>
+              <a:endParaRPr lang="id-ID"/>
+            </a:p>
+          </p:txBody>
+        </p:sp>
+        <p:sp>
+          <p:nvSpPr>
+            <p:cNvPr id="80" name="Oval 41"/>
+            <p:cNvSpPr>
+              <a:spLocks noChangeArrowheads="1"/>
+            </p:cNvSpPr>
+            <p:nvPr/>
+          </p:nvSpPr>
+          <p:spPr bwMode="auto">
+            <a:xfrm>
+              <a:off x="7867650" y="4616450"/>
+              <a:ext cx="50800" cy="49213"/>
+            </a:xfrm>
+            <a:prstGeom prst="ellipse">
+              <a:avLst/>
+            </a:prstGeom>
+            <a:solidFill>
+              <a:srgbClr val="FFFFFF"/>
+            </a:solidFill>
+            <a:ln>
+              <a:noFill/>
+            </a:ln>
+            <a:extLst>
+              <a:ext uri="{91240B29-F687-4f45-9708-019B960494DF}">
+                <a14:hiddenLine xmlns:a14="http://schemas.microsoft.com/office/drawing/2010/main" xmlns="" w="9525">
+                  <a:solidFill>
+                    <a:srgbClr val="000000"/>
+                  </a:solidFill>
+                  <a:round/>
+                  <a:headEnd/>
+                  <a:tailEnd/>
+                </a14:hiddenLine>
+              </a:ext>
+            </a:extLst>
+          </p:spPr>
+          <p:txBody>
+            <a:bodyPr vert="horz" wrap="square" lIns="91440" tIns="45720" rIns="91440" bIns="45720" numCol="1" anchor="t" anchorCtr="0" compatLnSpc="1">
+              <a:prstTxWarp prst="textNoShape">
+                <a:avLst/>
+              </a:prstTxWarp>
+            </a:bodyPr>
+            <a:lstStyle/>
+            <a:p>
+              <a:endParaRPr lang="id-ID"/>
+            </a:p>
+          </p:txBody>
+        </p:sp>
+        <p:sp>
+          <p:nvSpPr>
+            <p:cNvPr id="81" name="Rectangle 42"/>
+            <p:cNvSpPr>
+              <a:spLocks noChangeArrowheads="1"/>
+            </p:cNvSpPr>
+            <p:nvPr/>
+          </p:nvSpPr>
+          <p:spPr bwMode="auto">
+            <a:xfrm>
+              <a:off x="7556500" y="5713413"/>
+              <a:ext cx="239712" cy="71438"/>
+            </a:xfrm>
+            <a:prstGeom prst="rect">
+              <a:avLst/>
+            </a:prstGeom>
+            <a:solidFill>
+              <a:srgbClr val="FFFFFF"/>
+            </a:solidFill>
+            <a:ln>
+              <a:noFill/>
+            </a:ln>
+            <a:extLst>
+              <a:ext uri="{91240B29-F687-4f45-9708-019B960494DF}">
+                <a14:hiddenLine xmlns:a14="http://schemas.microsoft.com/office/drawing/2010/main" xmlns="" w="9525">
+                  <a:solidFill>
+                    <a:srgbClr val="000000"/>
+                  </a:solidFill>
+                  <a:miter lim="800000"/>
+                  <a:headEnd/>
+                  <a:tailEnd/>
+                </a14:hiddenLine>
+              </a:ext>
+            </a:extLst>
+          </p:spPr>
+          <p:txBody>
+            <a:bodyPr vert="horz" wrap="square" lIns="91440" tIns="45720" rIns="91440" bIns="45720" numCol="1" anchor="t" anchorCtr="0" compatLnSpc="1">
+              <a:prstTxWarp prst="textNoShape">
+                <a:avLst/>
+              </a:prstTxWarp>
+            </a:bodyPr>
+            <a:lstStyle/>
+            <a:p>
+              <a:endParaRPr lang="id-ID"/>
+            </a:p>
+          </p:txBody>
+        </p:sp>
+      </p:grpSp>
+      <p:cxnSp>
+        <p:nvCxnSpPr>
+          <p:cNvPr id="96" name="Straight Connector 95"/>
+          <p:cNvCxnSpPr>
+            <a:endCxn id="117" idx="1"/>
+          </p:cNvCxnSpPr>
+          <p:nvPr/>
+        </p:nvCxnSpPr>
+        <p:spPr>
+          <a:xfrm flipV="1">
+            <a:off x="6797463" y="2124101"/>
+            <a:ext cx="1748249" cy="1192040"/>
+          </a:xfrm>
+          <a:prstGeom prst="line">
+            <a:avLst/>
+          </a:prstGeom>
+          <a:ln w="38100">
+            <a:solidFill>
+              <a:schemeClr val="bg1">
+                <a:lumMod val="75000"/>
+                <a:alpha val="5000"/>
+              </a:schemeClr>
+            </a:solidFill>
+            <a:prstDash val="solid"/>
+            <a:headEnd type="none" w="med" len="med"/>
+            <a:tailEnd type="triangle" w="med" len="med"/>
+          </a:ln>
+        </p:spPr>
+        <p:style>
+          <a:lnRef idx="1">
+            <a:schemeClr val="accent1"/>
+          </a:lnRef>
+          <a:fillRef idx="0">
+            <a:schemeClr val="accent1"/>
+          </a:fillRef>
+          <a:effectRef idx="0">
+            <a:schemeClr val="accent1"/>
+          </a:effectRef>
+          <a:fontRef idx="minor">
+            <a:schemeClr val="tx1"/>
+          </a:fontRef>
+        </p:style>
+      </p:cxnSp>
+      <p:cxnSp>
+        <p:nvCxnSpPr>
+          <p:cNvPr id="97" name="Straight Connector 96"/>
+          <p:cNvCxnSpPr>
+            <a:stCxn id="69" idx="2"/>
+            <a:endCxn id="73" idx="0"/>
+          </p:cNvCxnSpPr>
+          <p:nvPr/>
+        </p:nvCxnSpPr>
+        <p:spPr>
+          <a:xfrm>
+            <a:off x="9858015" y="4036560"/>
+            <a:ext cx="0" cy="269444"/>
+          </a:xfrm>
+          <a:prstGeom prst="line">
+            <a:avLst/>
+          </a:prstGeom>
+          <a:ln w="38100">
+            <a:solidFill>
+              <a:schemeClr val="bg1">
+                <a:lumMod val="75000"/>
+                <a:alpha val="5000"/>
+              </a:schemeClr>
+            </a:solidFill>
+            <a:prstDash val="solid"/>
+            <a:headEnd type="none" w="med" len="med"/>
+            <a:tailEnd type="triangle" w="med" len="med"/>
+          </a:ln>
+        </p:spPr>
+        <p:style>
+          <a:lnRef idx="1">
+            <a:schemeClr val="accent1"/>
+          </a:lnRef>
+          <a:fillRef idx="0">
+            <a:schemeClr val="accent1"/>
+          </a:fillRef>
+          <a:effectRef idx="0">
+            <a:schemeClr val="accent1"/>
+          </a:effectRef>
+          <a:fontRef idx="minor">
+            <a:schemeClr val="tx1"/>
+          </a:fontRef>
+        </p:style>
+      </p:cxnSp>
+      <p:cxnSp>
+        <p:nvCxnSpPr>
+          <p:cNvPr id="99" name="Straight Connector 98"/>
+          <p:cNvCxnSpPr>
+            <a:stCxn id="73" idx="1"/>
+          </p:cNvCxnSpPr>
+          <p:nvPr/>
+        </p:nvCxnSpPr>
+        <p:spPr>
+          <a:xfrm flipH="1" flipV="1">
+            <a:off x="6750550" y="3564941"/>
+            <a:ext cx="1795162" cy="1024228"/>
+          </a:xfrm>
+          <a:prstGeom prst="line">
+            <a:avLst/>
+          </a:prstGeom>
+          <a:ln w="38100">
+            <a:solidFill>
+              <a:schemeClr val="bg1">
+                <a:lumMod val="75000"/>
+                <a:alpha val="5000"/>
+              </a:schemeClr>
+            </a:solidFill>
+            <a:prstDash val="solid"/>
+            <a:headEnd type="none" w="med" len="med"/>
+            <a:tailEnd type="triangle" w="med" len="med"/>
+          </a:ln>
+        </p:spPr>
+        <p:style>
+          <a:lnRef idx="1">
+            <a:schemeClr val="accent1"/>
+          </a:lnRef>
+          <a:fillRef idx="0">
+            <a:schemeClr val="accent1"/>
+          </a:fillRef>
+          <a:effectRef idx="0">
+            <a:schemeClr val="accent1"/>
+          </a:effectRef>
+          <a:fontRef idx="minor">
+            <a:schemeClr val="tx1"/>
+          </a:fontRef>
+        </p:style>
+      </p:cxnSp>
+      <p:pic>
+        <p:nvPicPr>
+          <p:cNvPr id="101" name="Picture 100"/>
+          <p:cNvPicPr>
+            <a:picLocks noChangeAspect="1"/>
+          </p:cNvPicPr>
+          <p:nvPr/>
+        </p:nvPicPr>
+        <p:blipFill>
+          <a:blip r:embed="rId3">
+            <a:extLst>
+              <a:ext uri="{28A0092B-C50C-407E-A947-70E740481C1C}">
+                <a14:useLocalDpi xmlns:a14="http://schemas.microsoft.com/office/drawing/2010/main" val="0"/>
+              </a:ext>
+            </a:extLst>
+          </a:blip>
+          <a:stretch>
+            <a:fillRect/>
+          </a:stretch>
+        </p:blipFill>
+        <p:spPr>
+          <a:xfrm>
+            <a:off x="10792106" y="10173273"/>
+            <a:ext cx="301588" cy="333334"/>
+          </a:xfrm>
+          <a:prstGeom prst="rect">
+            <a:avLst/>
+          </a:prstGeom>
+        </p:spPr>
+      </p:pic>
+      <p:pic>
+        <p:nvPicPr>
+          <p:cNvPr id="103" name="Picture 102"/>
+          <p:cNvPicPr>
+            <a:picLocks noChangeAspect="1"/>
+          </p:cNvPicPr>
+          <p:nvPr/>
+        </p:nvPicPr>
+        <p:blipFill>
+          <a:blip r:embed="rId3">
+            <a:extLst>
+              <a:ext uri="{28A0092B-C50C-407E-A947-70E740481C1C}">
+                <a14:useLocalDpi xmlns:a14="http://schemas.microsoft.com/office/drawing/2010/main" val="0"/>
+              </a:ext>
+            </a:extLst>
+          </a:blip>
+          <a:stretch>
+            <a:fillRect/>
+          </a:stretch>
+        </p:blipFill>
+        <p:spPr>
+          <a:xfrm>
+            <a:off x="14620468" y="4734206"/>
+            <a:ext cx="301588" cy="333334"/>
+          </a:xfrm>
+          <a:prstGeom prst="rect">
+            <a:avLst/>
+          </a:prstGeom>
+        </p:spPr>
+      </p:pic>
+      <p:sp>
+        <p:nvSpPr>
+          <p:cNvPr id="105" name="Rectangle 104"/>
+          <p:cNvSpPr/>
+          <p:nvPr/>
+        </p:nvSpPr>
+        <p:spPr>
+          <a:xfrm>
+            <a:off x="1017495" y="3941948"/>
+            <a:ext cx="2624606" cy="824160"/>
+          </a:xfrm>
+          <a:prstGeom prst="rect">
+            <a:avLst/>
+          </a:prstGeom>
+          <a:solidFill>
+            <a:schemeClr val="accent1">
+              <a:alpha val="5000"/>
+            </a:schemeClr>
+          </a:solidFill>
+          <a:ln>
+            <a:solidFill>
+              <a:schemeClr val="bg1">
+                <a:lumMod val="75000"/>
+                <a:alpha val="5000"/>
+              </a:schemeClr>
+            </a:solidFill>
+          </a:ln>
+        </p:spPr>
+        <p:style>
+          <a:lnRef idx="2">
+            <a:schemeClr val="accent1">
+              <a:shade val="50000"/>
+            </a:schemeClr>
+          </a:lnRef>
+          <a:fillRef idx="1">
+            <a:schemeClr val="accent1"/>
+          </a:fillRef>
+          <a:effectRef idx="0">
+            <a:schemeClr val="accent1"/>
+          </a:effectRef>
+          <a:fontRef idx="minor">
+            <a:schemeClr val="lt1"/>
+          </a:fontRef>
+        </p:style>
+        <p:txBody>
+          <a:bodyPr rtlCol="0" anchor="ctr"/>
+          <a:lstStyle/>
+          <a:p>
+            <a:pPr algn="ctr"/>
+            <a:r>
+              <a:rPr lang="en-US" dirty="0" smtClean="0">
+                <a:solidFill>
+                  <a:schemeClr val="lt1">
+                    <a:alpha val="7000"/>
+                  </a:schemeClr>
+                </a:solidFill>
+              </a:rPr>
+              <a:t>Authentication</a:t>
+            </a:r>
+            <a:endParaRPr lang="en-US" dirty="0">
+              <a:solidFill>
+                <a:schemeClr val="lt1">
+                  <a:alpha val="7000"/>
+                </a:schemeClr>
+              </a:solidFill>
+            </a:endParaRPr>
+          </a:p>
+        </p:txBody>
+      </p:sp>
+      <p:cxnSp>
+        <p:nvCxnSpPr>
+          <p:cNvPr id="106" name="Straight Connector 105"/>
+          <p:cNvCxnSpPr>
+            <a:stCxn id="105" idx="3"/>
+          </p:cNvCxnSpPr>
+          <p:nvPr/>
+        </p:nvCxnSpPr>
+        <p:spPr>
+          <a:xfrm flipV="1">
+            <a:off x="3642101" y="3660383"/>
+            <a:ext cx="1518464" cy="693645"/>
+          </a:xfrm>
+          <a:prstGeom prst="line">
+            <a:avLst/>
+          </a:prstGeom>
+          <a:ln w="38100">
+            <a:solidFill>
+              <a:schemeClr val="bg1">
+                <a:lumMod val="75000"/>
+                <a:alpha val="5000"/>
+              </a:schemeClr>
+            </a:solidFill>
+            <a:prstDash val="solid"/>
+            <a:headEnd type="triangle" w="med" len="med"/>
+            <a:tailEnd type="triangle" w="med" len="med"/>
+          </a:ln>
+        </p:spPr>
+        <p:style>
+          <a:lnRef idx="1">
+            <a:schemeClr val="accent1"/>
+          </a:lnRef>
+          <a:fillRef idx="0">
+            <a:schemeClr val="accent1"/>
+          </a:fillRef>
+          <a:effectRef idx="0">
+            <a:schemeClr val="accent1"/>
+          </a:effectRef>
+          <a:fontRef idx="minor">
+            <a:schemeClr val="tx1"/>
+          </a:fontRef>
+        </p:style>
+      </p:cxnSp>
+      <p:sp>
+        <p:nvSpPr>
+          <p:cNvPr id="117" name="Rectangle 116"/>
+          <p:cNvSpPr/>
+          <p:nvPr/>
+        </p:nvSpPr>
+        <p:spPr>
+          <a:xfrm>
+            <a:off x="8545712" y="1844438"/>
+            <a:ext cx="2624606" cy="559326"/>
+          </a:xfrm>
+          <a:prstGeom prst="rect">
+            <a:avLst/>
+          </a:prstGeom>
+          <a:solidFill>
+            <a:schemeClr val="accent1">
+              <a:alpha val="5000"/>
+            </a:schemeClr>
+          </a:solidFill>
+          <a:ln>
+            <a:solidFill>
+              <a:schemeClr val="bg1">
+                <a:lumMod val="75000"/>
+                <a:alpha val="5000"/>
+              </a:schemeClr>
+            </a:solidFill>
+          </a:ln>
+        </p:spPr>
+        <p:style>
+          <a:lnRef idx="2">
+            <a:schemeClr val="accent1">
+              <a:shade val="50000"/>
+            </a:schemeClr>
+          </a:lnRef>
+          <a:fillRef idx="1">
+            <a:schemeClr val="accent1"/>
+          </a:fillRef>
+          <a:effectRef idx="0">
+            <a:schemeClr val="accent1"/>
+          </a:effectRef>
+          <a:fontRef idx="minor">
+            <a:schemeClr val="lt1"/>
+          </a:fontRef>
+        </p:style>
+        <p:txBody>
+          <a:bodyPr rtlCol="0" anchor="ctr"/>
+          <a:lstStyle/>
+          <a:p>
+            <a:pPr algn="ctr"/>
+            <a:r>
+              <a:rPr lang="en-US" dirty="0" smtClean="0">
+                <a:solidFill>
+                  <a:schemeClr val="lt1">
+                    <a:alpha val="7000"/>
+                  </a:schemeClr>
+                </a:solidFill>
+              </a:rPr>
+              <a:t>Video Upload</a:t>
+            </a:r>
+            <a:endParaRPr lang="en-US" dirty="0">
+              <a:solidFill>
+                <a:schemeClr val="lt1">
+                  <a:alpha val="7000"/>
+                </a:schemeClr>
+              </a:solidFill>
+            </a:endParaRPr>
+          </a:p>
+        </p:txBody>
+      </p:sp>
+      <p:cxnSp>
+        <p:nvCxnSpPr>
+          <p:cNvPr id="118" name="Straight Connector 117"/>
+          <p:cNvCxnSpPr>
+            <a:endCxn id="3" idx="0"/>
+          </p:cNvCxnSpPr>
+          <p:nvPr/>
+        </p:nvCxnSpPr>
+        <p:spPr>
+          <a:xfrm flipH="1">
+            <a:off x="9863698" y="2401280"/>
+            <a:ext cx="1" cy="244717"/>
+          </a:xfrm>
+          <a:prstGeom prst="line">
+            <a:avLst/>
+          </a:prstGeom>
+          <a:ln w="38100">
+            <a:solidFill>
+              <a:schemeClr val="bg1">
+                <a:lumMod val="75000"/>
+                <a:alpha val="5000"/>
+              </a:schemeClr>
+            </a:solidFill>
+            <a:prstDash val="solid"/>
+            <a:headEnd type="none" w="med" len="med"/>
+            <a:tailEnd type="triangle" w="med" len="med"/>
+          </a:ln>
+        </p:spPr>
+        <p:style>
+          <a:lnRef idx="1">
+            <a:schemeClr val="accent1"/>
+          </a:lnRef>
+          <a:fillRef idx="0">
+            <a:schemeClr val="accent1"/>
+          </a:fillRef>
+          <a:effectRef idx="0">
+            <a:schemeClr val="accent1"/>
+          </a:effectRef>
+          <a:fontRef idx="minor">
+            <a:schemeClr val="tx1"/>
+          </a:fontRef>
+        </p:style>
+      </p:cxnSp>
+    </p:spTree>
+    <p:extLst>
+      <p:ext uri="{BB962C8B-B14F-4D97-AF65-F5344CB8AC3E}">
+        <p14:creationId xmlns:p14="http://schemas.microsoft.com/office/powerpoint/2010/main" val="811032903"/>
+      </p:ext>
+    </p:extLst>
+  </p:cSld>
+  <p:clrMapOvr>
+    <a:masterClrMapping/>
+  </p:clrMapOvr>
+  <p:transition>
+    <p:push dir="u"/>
+  </p:transition>
+  <p:timing>
+    <p:tnLst>
+      <p:par>
+        <p:cTn id="1" dur="indefinite" restart="never" nodeType="tmRoot"/>
+      </p:par>
+    </p:tnLst>
+  </p:timing>
+</p:sld>
+</file>
+
+<file path=ppt/slides/slide4.xml><?xml version="1.0" encoding="utf-8"?>
+<p:sld xmlns:a="http://schemas.openxmlformats.org/drawingml/2006/main" xmlns:r="http://schemas.openxmlformats.org/officeDocument/2006/relationships" xmlns:p="http://schemas.openxmlformats.org/presentationml/2006/main">
+  <p:cSld>
+    <p:bg>
+      <p:bgPr>
+        <a:solidFill>
           <a:srgbClr val="222A35"/>
         </a:solidFill>
         <a:effectLst/>
@@ -32765,7 +35209,7 @@
 </p:sld>
 </file>
 
-<file path=ppt/slides/slide4.xml><?xml version="1.0" encoding="utf-8"?>
+<file path=ppt/slides/slide5.xml><?xml version="1.0" encoding="utf-8"?>
 <p:sld xmlns:a="http://schemas.openxmlformats.org/drawingml/2006/main" xmlns:r="http://schemas.openxmlformats.org/officeDocument/2006/relationships" xmlns:p="http://schemas.openxmlformats.org/presentationml/2006/main">
   <p:cSld>
     <p:bg>
@@ -34152,7 +36596,7 @@
             </a:ln>
             <a:extLst>
               <a:ext uri="{91240B29-F687-4f45-9708-019B960494DF}">
-                <a14:hiddenLine xmlns="" xmlns:a14="http://schemas.microsoft.com/office/drawing/2010/main" w="9525">
+                <a14:hiddenLine xmlns:a14="http://schemas.microsoft.com/office/drawing/2010/main" xmlns="" w="9525">
                   <a:solidFill>
                     <a:srgbClr val="000000"/>
                   </a:solidFill>
@@ -34199,7 +36643,7 @@
             </a:ln>
             <a:extLst>
               <a:ext uri="{91240B29-F687-4f45-9708-019B960494DF}">
-                <a14:hiddenLine xmlns="" xmlns:a14="http://schemas.microsoft.com/office/drawing/2010/main" w="9525">
+                <a14:hiddenLine xmlns:a14="http://schemas.microsoft.com/office/drawing/2010/main" xmlns="" w="9525">
                   <a:solidFill>
                     <a:srgbClr val="000000"/>
                   </a:solidFill>
@@ -34246,7 +36690,7 @@
             </a:ln>
             <a:extLst>
               <a:ext uri="{91240B29-F687-4f45-9708-019B960494DF}">
-                <a14:hiddenLine xmlns="" xmlns:a14="http://schemas.microsoft.com/office/drawing/2010/main" w="9525">
+                <a14:hiddenLine xmlns:a14="http://schemas.microsoft.com/office/drawing/2010/main" xmlns="" w="9525">
                   <a:solidFill>
                     <a:srgbClr val="000000"/>
                   </a:solidFill>
@@ -34394,7 +36838,7 @@
             </a:ln>
             <a:extLst>
               <a:ext uri="{91240B29-F687-4f45-9708-019B960494DF}">
-                <a14:hiddenLine xmlns="" xmlns:a14="http://schemas.microsoft.com/office/drawing/2010/main" w="9525">
+                <a14:hiddenLine xmlns:a14="http://schemas.microsoft.com/office/drawing/2010/main" xmlns="" w="9525">
                   <a:solidFill>
                     <a:srgbClr val="000000"/>
                   </a:solidFill>
@@ -34756,14 +37200,14 @@
             </a:ln>
             <a:extLst>
               <a:ext uri="{909E8E84-426E-40dd-AFC4-6F175D3DCCD1}">
-                <a14:hiddenFill xmlns="" xmlns:a14="http://schemas.microsoft.com/office/drawing/2010/main">
+                <a14:hiddenFill xmlns:a14="http://schemas.microsoft.com/office/drawing/2010/main" xmlns="">
                   <a:solidFill>
                     <a:srgbClr val="FFFFFF"/>
                   </a:solidFill>
                 </a14:hiddenFill>
               </a:ext>
               <a:ext uri="{91240B29-F687-4f45-9708-019B960494DF}">
-                <a14:hiddenLine xmlns="" xmlns:a14="http://schemas.microsoft.com/office/drawing/2010/main" w="9525">
+                <a14:hiddenLine xmlns:a14="http://schemas.microsoft.com/office/drawing/2010/main" xmlns="" w="9525">
                   <a:solidFill>
                     <a:srgbClr val="000000"/>
                   </a:solidFill>
@@ -34810,7 +37254,7 @@
             </a:ln>
             <a:extLst>
               <a:ext uri="{91240B29-F687-4f45-9708-019B960494DF}">
-                <a14:hiddenLine xmlns="" xmlns:a14="http://schemas.microsoft.com/office/drawing/2010/main" w="9525">
+                <a14:hiddenLine xmlns:a14="http://schemas.microsoft.com/office/drawing/2010/main" xmlns="" w="9525">
                   <a:solidFill>
                     <a:srgbClr val="000000"/>
                   </a:solidFill>
@@ -34993,14 +37437,14 @@
             </a:ln>
             <a:extLst>
               <a:ext uri="{909E8E84-426E-40dd-AFC4-6F175D3DCCD1}">
-                <a14:hiddenFill xmlns="" xmlns:a14="http://schemas.microsoft.com/office/drawing/2010/main">
+                <a14:hiddenFill xmlns:a14="http://schemas.microsoft.com/office/drawing/2010/main" xmlns="">
                   <a:solidFill>
                     <a:srgbClr val="FFFFFF"/>
                   </a:solidFill>
                 </a14:hiddenFill>
               </a:ext>
               <a:ext uri="{91240B29-F687-4f45-9708-019B960494DF}">
-                <a14:hiddenLine xmlns="" xmlns:a14="http://schemas.microsoft.com/office/drawing/2010/main" w="9525">
+                <a14:hiddenLine xmlns:a14="http://schemas.microsoft.com/office/drawing/2010/main" xmlns="" w="9525">
                   <a:solidFill>
                     <a:srgbClr val="000000"/>
                   </a:solidFill>
@@ -35271,7 +37715,7 @@
 </p:sld>
 </file>
 
-<file path=ppt/slides/slide5.xml><?xml version="1.0" encoding="utf-8"?>
+<file path=ppt/slides/slide6.xml><?xml version="1.0" encoding="utf-8"?>
 <p:sld xmlns:a="http://schemas.openxmlformats.org/drawingml/2006/main" xmlns:r="http://schemas.openxmlformats.org/officeDocument/2006/relationships" xmlns:p="http://schemas.openxmlformats.org/presentationml/2006/main">
   <p:cSld>
     <p:bg>
@@ -36675,2170 +39119,6 @@
 </p:sld>
 </file>
 
-<file path=ppt/slides/slide6.xml><?xml version="1.0" encoding="utf-8"?>
-<p:sld xmlns:a="http://schemas.openxmlformats.org/drawingml/2006/main" xmlns:r="http://schemas.openxmlformats.org/officeDocument/2006/relationships" xmlns:p="http://schemas.openxmlformats.org/presentationml/2006/main">
-  <p:cSld>
-    <p:bg>
-      <p:bgPr>
-        <a:solidFill>
-          <a:srgbClr val="222A35"/>
-        </a:solidFill>
-        <a:effectLst/>
-      </p:bgPr>
-    </p:bg>
-    <p:spTree>
-      <p:nvGrpSpPr>
-        <p:cNvPr id="1" name=""/>
-        <p:cNvGrpSpPr/>
-        <p:nvPr/>
-      </p:nvGrpSpPr>
-      <p:grpSpPr>
-        <a:xfrm>
-          <a:off x="0" y="0"/>
-          <a:ext cx="0" cy="0"/>
-          <a:chOff x="0" y="0"/>
-          <a:chExt cx="0" cy="0"/>
-        </a:xfrm>
-      </p:grpSpPr>
-      <p:grpSp>
-        <p:nvGrpSpPr>
-          <p:cNvPr id="18" name="Group 17"/>
-          <p:cNvGrpSpPr/>
-          <p:nvPr/>
-        </p:nvGrpSpPr>
-        <p:grpSpPr>
-          <a:xfrm>
-            <a:off x="2" y="6736617"/>
-            <a:ext cx="12191999" cy="134339"/>
-            <a:chOff x="2" y="2110197"/>
-            <a:chExt cx="12191999" cy="134339"/>
-          </a:xfrm>
-        </p:grpSpPr>
-        <p:sp>
-          <p:nvSpPr>
-            <p:cNvPr id="19" name="Rectangle 18"/>
-            <p:cNvSpPr/>
-            <p:nvPr/>
-          </p:nvSpPr>
-          <p:spPr>
-            <a:xfrm rot="16200000">
-              <a:off x="2980836" y="1161370"/>
-              <a:ext cx="134333" cy="2032000"/>
-            </a:xfrm>
-            <a:prstGeom prst="rect">
-              <a:avLst/>
-            </a:prstGeom>
-            <a:solidFill>
-              <a:schemeClr val="accent1">
-                <a:lumMod val="75000"/>
-              </a:schemeClr>
-            </a:solidFill>
-            <a:ln>
-              <a:noFill/>
-            </a:ln>
-          </p:spPr>
-          <p:style>
-            <a:lnRef idx="2">
-              <a:schemeClr val="accent1">
-                <a:shade val="50000"/>
-              </a:schemeClr>
-            </a:lnRef>
-            <a:fillRef idx="1">
-              <a:schemeClr val="accent1"/>
-            </a:fillRef>
-            <a:effectRef idx="0">
-              <a:schemeClr val="accent1"/>
-            </a:effectRef>
-            <a:fontRef idx="minor">
-              <a:schemeClr val="lt1"/>
-            </a:fontRef>
-          </p:style>
-          <p:txBody>
-            <a:bodyPr rtlCol="0" anchor="ctr"/>
-            <a:lstStyle/>
-            <a:p>
-              <a:pPr algn="ctr"/>
-              <a:endParaRPr lang="id-ID"/>
-            </a:p>
-          </p:txBody>
-        </p:sp>
-        <p:sp>
-          <p:nvSpPr>
-            <p:cNvPr id="20" name="Rectangle 19"/>
-            <p:cNvSpPr/>
-            <p:nvPr/>
-          </p:nvSpPr>
-          <p:spPr>
-            <a:xfrm rot="16200000">
-              <a:off x="5012835" y="1161369"/>
-              <a:ext cx="134333" cy="2032000"/>
-            </a:xfrm>
-            <a:prstGeom prst="rect">
-              <a:avLst/>
-            </a:prstGeom>
-            <a:solidFill>
-              <a:schemeClr val="accent2">
-                <a:lumMod val="75000"/>
-              </a:schemeClr>
-            </a:solidFill>
-            <a:ln>
-              <a:noFill/>
-            </a:ln>
-          </p:spPr>
-          <p:style>
-            <a:lnRef idx="2">
-              <a:schemeClr val="accent1">
-                <a:shade val="50000"/>
-              </a:schemeClr>
-            </a:lnRef>
-            <a:fillRef idx="1">
-              <a:schemeClr val="accent1"/>
-            </a:fillRef>
-            <a:effectRef idx="0">
-              <a:schemeClr val="accent1"/>
-            </a:effectRef>
-            <a:fontRef idx="minor">
-              <a:schemeClr val="lt1"/>
-            </a:fontRef>
-          </p:style>
-          <p:txBody>
-            <a:bodyPr rtlCol="0" anchor="ctr"/>
-            <a:lstStyle/>
-            <a:p>
-              <a:pPr algn="ctr"/>
-              <a:endParaRPr lang="id-ID"/>
-            </a:p>
-          </p:txBody>
-        </p:sp>
-        <p:sp>
-          <p:nvSpPr>
-            <p:cNvPr id="21" name="Rectangle 20"/>
-            <p:cNvSpPr/>
-            <p:nvPr/>
-          </p:nvSpPr>
-          <p:spPr>
-            <a:xfrm rot="16200000">
-              <a:off x="7044834" y="1161369"/>
-              <a:ext cx="134335" cy="2032000"/>
-            </a:xfrm>
-            <a:prstGeom prst="rect">
-              <a:avLst/>
-            </a:prstGeom>
-            <a:solidFill>
-              <a:schemeClr val="accent3">
-                <a:lumMod val="75000"/>
-              </a:schemeClr>
-            </a:solidFill>
-            <a:ln>
-              <a:noFill/>
-            </a:ln>
-          </p:spPr>
-          <p:style>
-            <a:lnRef idx="2">
-              <a:schemeClr val="accent1">
-                <a:shade val="50000"/>
-              </a:schemeClr>
-            </a:lnRef>
-            <a:fillRef idx="1">
-              <a:schemeClr val="accent1"/>
-            </a:fillRef>
-            <a:effectRef idx="0">
-              <a:schemeClr val="accent1"/>
-            </a:effectRef>
-            <a:fontRef idx="minor">
-              <a:schemeClr val="lt1"/>
-            </a:fontRef>
-          </p:style>
-          <p:txBody>
-            <a:bodyPr rtlCol="0" anchor="ctr"/>
-            <a:lstStyle/>
-            <a:p>
-              <a:pPr algn="ctr"/>
-              <a:endParaRPr lang="id-ID"/>
-            </a:p>
-          </p:txBody>
-        </p:sp>
-        <p:sp>
-          <p:nvSpPr>
-            <p:cNvPr id="22" name="Rectangle 21"/>
-            <p:cNvSpPr/>
-            <p:nvPr/>
-          </p:nvSpPr>
-          <p:spPr>
-            <a:xfrm rot="16200000">
-              <a:off x="9076834" y="1161367"/>
-              <a:ext cx="134336" cy="2032000"/>
-            </a:xfrm>
-            <a:prstGeom prst="rect">
-              <a:avLst/>
-            </a:prstGeom>
-            <a:solidFill>
-              <a:schemeClr val="accent4">
-                <a:lumMod val="75000"/>
-              </a:schemeClr>
-            </a:solidFill>
-            <a:ln>
-              <a:noFill/>
-            </a:ln>
-          </p:spPr>
-          <p:style>
-            <a:lnRef idx="2">
-              <a:schemeClr val="accent1">
-                <a:shade val="50000"/>
-              </a:schemeClr>
-            </a:lnRef>
-            <a:fillRef idx="1">
-              <a:schemeClr val="accent1"/>
-            </a:fillRef>
-            <a:effectRef idx="0">
-              <a:schemeClr val="accent1"/>
-            </a:effectRef>
-            <a:fontRef idx="minor">
-              <a:schemeClr val="lt1"/>
-            </a:fontRef>
-          </p:style>
-          <p:txBody>
-            <a:bodyPr rtlCol="0" anchor="ctr"/>
-            <a:lstStyle/>
-            <a:p>
-              <a:pPr algn="ctr"/>
-              <a:endParaRPr lang="id-ID"/>
-            </a:p>
-          </p:txBody>
-        </p:sp>
-        <p:sp>
-          <p:nvSpPr>
-            <p:cNvPr id="23" name="Rectangle 22"/>
-            <p:cNvSpPr/>
-            <p:nvPr/>
-          </p:nvSpPr>
-          <p:spPr>
-            <a:xfrm rot="16200000">
-              <a:off x="11108832" y="1161366"/>
-              <a:ext cx="134338" cy="2032000"/>
-            </a:xfrm>
-            <a:prstGeom prst="rect">
-              <a:avLst/>
-            </a:prstGeom>
-            <a:solidFill>
-              <a:schemeClr val="accent5">
-                <a:lumMod val="75000"/>
-              </a:schemeClr>
-            </a:solidFill>
-            <a:ln>
-              <a:noFill/>
-            </a:ln>
-          </p:spPr>
-          <p:style>
-            <a:lnRef idx="2">
-              <a:schemeClr val="accent1">
-                <a:shade val="50000"/>
-              </a:schemeClr>
-            </a:lnRef>
-            <a:fillRef idx="1">
-              <a:schemeClr val="accent1"/>
-            </a:fillRef>
-            <a:effectRef idx="0">
-              <a:schemeClr val="accent1"/>
-            </a:effectRef>
-            <a:fontRef idx="minor">
-              <a:schemeClr val="lt1"/>
-            </a:fontRef>
-          </p:style>
-          <p:txBody>
-            <a:bodyPr rtlCol="0" anchor="ctr"/>
-            <a:lstStyle/>
-            <a:p>
-              <a:pPr algn="ctr"/>
-              <a:endParaRPr lang="id-ID"/>
-            </a:p>
-          </p:txBody>
-        </p:sp>
-        <p:sp>
-          <p:nvSpPr>
-            <p:cNvPr id="24" name="Rectangle 23"/>
-            <p:cNvSpPr/>
-            <p:nvPr/>
-          </p:nvSpPr>
-          <p:spPr>
-            <a:xfrm rot="16200000">
-              <a:off x="948836" y="1161370"/>
-              <a:ext cx="134331" cy="2032000"/>
-            </a:xfrm>
-            <a:prstGeom prst="rect">
-              <a:avLst/>
-            </a:prstGeom>
-            <a:solidFill>
-              <a:schemeClr val="accent6">
-                <a:lumMod val="75000"/>
-              </a:schemeClr>
-            </a:solidFill>
-            <a:ln>
-              <a:noFill/>
-            </a:ln>
-          </p:spPr>
-          <p:style>
-            <a:lnRef idx="2">
-              <a:schemeClr val="accent1">
-                <a:shade val="50000"/>
-              </a:schemeClr>
-            </a:lnRef>
-            <a:fillRef idx="1">
-              <a:schemeClr val="accent1"/>
-            </a:fillRef>
-            <a:effectRef idx="0">
-              <a:schemeClr val="accent1"/>
-            </a:effectRef>
-            <a:fontRef idx="minor">
-              <a:schemeClr val="lt1"/>
-            </a:fontRef>
-          </p:style>
-          <p:txBody>
-            <a:bodyPr rtlCol="0" anchor="ctr"/>
-            <a:lstStyle/>
-            <a:p>
-              <a:pPr algn="ctr"/>
-              <a:endParaRPr lang="id-ID"/>
-            </a:p>
-          </p:txBody>
-        </p:sp>
-      </p:grpSp>
-      <p:cxnSp>
-        <p:nvCxnSpPr>
-          <p:cNvPr id="158" name="Straight Connector 157"/>
-          <p:cNvCxnSpPr/>
-          <p:nvPr/>
-        </p:nvCxnSpPr>
-        <p:spPr>
-          <a:xfrm>
-            <a:off x="7489635" y="2287098"/>
-            <a:ext cx="1530378" cy="0"/>
-          </a:xfrm>
-          <a:prstGeom prst="line">
-            <a:avLst/>
-          </a:prstGeom>
-          <a:ln w="38100">
-            <a:solidFill>
-              <a:schemeClr val="bg1">
-                <a:lumMod val="75000"/>
-              </a:schemeClr>
-            </a:solidFill>
-            <a:prstDash val="solid"/>
-            <a:headEnd type="triangle"/>
-            <a:tailEnd type="stealth"/>
-          </a:ln>
-        </p:spPr>
-        <p:style>
-          <a:lnRef idx="1">
-            <a:schemeClr val="accent1"/>
-          </a:lnRef>
-          <a:fillRef idx="0">
-            <a:schemeClr val="accent1"/>
-          </a:fillRef>
-          <a:effectRef idx="0">
-            <a:schemeClr val="accent1"/>
-          </a:effectRef>
-          <a:fontRef idx="minor">
-            <a:schemeClr val="tx1"/>
-          </a:fontRef>
-        </p:style>
-      </p:cxnSp>
-      <p:pic>
-        <p:nvPicPr>
-          <p:cNvPr id="218" name="Picture 217" descr="Compute_AWSLambda.png"/>
-          <p:cNvPicPr>
-            <a:picLocks noChangeAspect="1"/>
-          </p:cNvPicPr>
-          <p:nvPr/>
-        </p:nvPicPr>
-        <p:blipFill>
-          <a:blip r:embed="rId3">
-            <a:extLst>
-              <a:ext uri="{28A0092B-C50C-407E-A947-70E740481C1C}">
-                <a14:useLocalDpi xmlns:a14="http://schemas.microsoft.com/office/drawing/2010/main" val="0"/>
-              </a:ext>
-            </a:extLst>
-          </a:blip>
-          <a:stretch>
-            <a:fillRect/>
-          </a:stretch>
-        </p:blipFill>
-        <p:spPr>
-          <a:xfrm>
-            <a:off x="6669509" y="3576688"/>
-            <a:ext cx="700098" cy="834932"/>
-          </a:xfrm>
-          <a:prstGeom prst="rect">
-            <a:avLst/>
-          </a:prstGeom>
-        </p:spPr>
-      </p:pic>
-      <p:pic>
-        <p:nvPicPr>
-          <p:cNvPr id="219" name="Picture 218" descr="Compute_AWSLambda.png"/>
-          <p:cNvPicPr>
-            <a:picLocks noChangeAspect="1"/>
-          </p:cNvPicPr>
-          <p:nvPr/>
-        </p:nvPicPr>
-        <p:blipFill>
-          <a:blip r:embed="rId3">
-            <a:extLst>
-              <a:ext uri="{28A0092B-C50C-407E-A947-70E740481C1C}">
-                <a14:useLocalDpi xmlns:a14="http://schemas.microsoft.com/office/drawing/2010/main" val="0"/>
-              </a:ext>
-            </a:extLst>
-          </a:blip>
-          <a:stretch>
-            <a:fillRect/>
-          </a:stretch>
-        </p:blipFill>
-        <p:spPr>
-          <a:xfrm>
-            <a:off x="9319100" y="1924065"/>
-            <a:ext cx="700098" cy="834932"/>
-          </a:xfrm>
-          <a:prstGeom prst="rect">
-            <a:avLst/>
-          </a:prstGeom>
-        </p:spPr>
-      </p:pic>
-      <p:pic>
-        <p:nvPicPr>
-          <p:cNvPr id="8" name="Picture 7" descr="Application-Services_AmazonAPIGateway.png"/>
-          <p:cNvPicPr>
-            <a:picLocks noChangeAspect="1"/>
-          </p:cNvPicPr>
-          <p:nvPr/>
-        </p:nvPicPr>
-        <p:blipFill>
-          <a:blip r:embed="rId4">
-            <a:extLst>
-              <a:ext uri="{28A0092B-C50C-407E-A947-70E740481C1C}">
-                <a14:useLocalDpi xmlns:a14="http://schemas.microsoft.com/office/drawing/2010/main" val="0"/>
-              </a:ext>
-            </a:extLst>
-          </a:blip>
-          <a:stretch>
-            <a:fillRect/>
-          </a:stretch>
-        </p:blipFill>
-        <p:spPr>
-          <a:xfrm>
-            <a:off x="6723154" y="1541292"/>
-            <a:ext cx="700098" cy="834932"/>
-          </a:xfrm>
-          <a:prstGeom prst="rect">
-            <a:avLst/>
-          </a:prstGeom>
-        </p:spPr>
-      </p:pic>
-      <p:sp>
-        <p:nvSpPr>
-          <p:cNvPr id="222" name="TextBox 221"/>
-          <p:cNvSpPr txBox="1"/>
-          <p:nvPr/>
-        </p:nvSpPr>
-        <p:spPr>
-          <a:xfrm>
-            <a:off x="7521243" y="1761835"/>
-            <a:ext cx="1128963" cy="307777"/>
-          </a:xfrm>
-          <a:prstGeom prst="rect">
-            <a:avLst/>
-          </a:prstGeom>
-          <a:noFill/>
-        </p:spPr>
-        <p:txBody>
-          <a:bodyPr wrap="none" rtlCol="0">
-            <a:spAutoFit/>
-          </a:bodyPr>
-          <a:lstStyle/>
-          <a:p>
-            <a:pPr algn="ctr"/>
-            <a:r>
-              <a:rPr lang="id-ID" sz="1400" b="1" dirty="0" smtClean="0">
-                <a:solidFill>
-                  <a:schemeClr val="bg1"/>
-                </a:solidFill>
-                <a:latin typeface="Calibri" charset="0"/>
-                <a:ea typeface="Calibri" charset="0"/>
-                <a:cs typeface="Calibri" charset="0"/>
-              </a:rPr>
-              <a:t>API Gateway</a:t>
-            </a:r>
-            <a:endParaRPr lang="id-ID" sz="1400" b="1" dirty="0">
-              <a:solidFill>
-                <a:schemeClr val="bg1"/>
-              </a:solidFill>
-              <a:latin typeface="Calibri" charset="0"/>
-              <a:ea typeface="Calibri" charset="0"/>
-              <a:cs typeface="Calibri" charset="0"/>
-            </a:endParaRPr>
-          </a:p>
-        </p:txBody>
-      </p:sp>
-      <p:cxnSp>
-        <p:nvCxnSpPr>
-          <p:cNvPr id="223" name="Straight Connector 222"/>
-          <p:cNvCxnSpPr/>
-          <p:nvPr/>
-        </p:nvCxnSpPr>
-        <p:spPr>
-          <a:xfrm>
-            <a:off x="7073203" y="3054636"/>
-            <a:ext cx="0" cy="421736"/>
-          </a:xfrm>
-          <a:prstGeom prst="line">
-            <a:avLst/>
-          </a:prstGeom>
-          <a:ln w="38100">
-            <a:solidFill>
-              <a:schemeClr val="bg1">
-                <a:lumMod val="75000"/>
-              </a:schemeClr>
-            </a:solidFill>
-            <a:prstDash val="solid"/>
-            <a:tailEnd type="stealth"/>
-          </a:ln>
-        </p:spPr>
-        <p:style>
-          <a:lnRef idx="1">
-            <a:schemeClr val="accent1"/>
-          </a:lnRef>
-          <a:fillRef idx="0">
-            <a:schemeClr val="accent1"/>
-          </a:fillRef>
-          <a:effectRef idx="0">
-            <a:schemeClr val="accent1"/>
-          </a:effectRef>
-          <a:fontRef idx="minor">
-            <a:schemeClr val="tx1"/>
-          </a:fontRef>
-        </p:style>
-      </p:cxnSp>
-      <p:cxnSp>
-        <p:nvCxnSpPr>
-          <p:cNvPr id="225" name="Straight Connector 224"/>
-          <p:cNvCxnSpPr/>
-          <p:nvPr/>
-        </p:nvCxnSpPr>
-        <p:spPr>
-          <a:xfrm>
-            <a:off x="7073203" y="2500880"/>
-            <a:ext cx="2018" cy="623853"/>
-          </a:xfrm>
-          <a:prstGeom prst="line">
-            <a:avLst/>
-          </a:prstGeom>
-          <a:ln w="28575">
-            <a:solidFill>
-              <a:schemeClr val="bg1">
-                <a:lumMod val="75000"/>
-              </a:schemeClr>
-            </a:solidFill>
-            <a:prstDash val="solid"/>
-            <a:headEnd type="triangle"/>
-            <a:tailEnd type="none"/>
-          </a:ln>
-        </p:spPr>
-        <p:style>
-          <a:lnRef idx="1">
-            <a:schemeClr val="accent1"/>
-          </a:lnRef>
-          <a:fillRef idx="0">
-            <a:schemeClr val="accent1"/>
-          </a:fillRef>
-          <a:effectRef idx="0">
-            <a:schemeClr val="accent1"/>
-          </a:effectRef>
-          <a:fontRef idx="minor">
-            <a:schemeClr val="tx1"/>
-          </a:fontRef>
-        </p:style>
-      </p:cxnSp>
-      <p:grpSp>
-        <p:nvGrpSpPr>
-          <p:cNvPr id="76" name="Group 75"/>
-          <p:cNvGrpSpPr/>
-          <p:nvPr/>
-        </p:nvGrpSpPr>
-        <p:grpSpPr>
-          <a:xfrm>
-            <a:off x="2874216" y="1512776"/>
-            <a:ext cx="479416" cy="863449"/>
-            <a:chOff x="7296151" y="4556125"/>
-            <a:chExt cx="758824" cy="1330325"/>
-          </a:xfrm>
-        </p:grpSpPr>
-        <p:sp>
-          <p:nvSpPr>
-            <p:cNvPr id="77" name="Freeform 38"/>
-            <p:cNvSpPr>
-              <a:spLocks/>
-            </p:cNvSpPr>
-            <p:nvPr/>
-          </p:nvSpPr>
-          <p:spPr bwMode="auto">
-            <a:xfrm>
-              <a:off x="7296151" y="4556125"/>
-              <a:ext cx="758824" cy="1330325"/>
-            </a:xfrm>
-            <a:custGeom>
-              <a:avLst/>
-              <a:gdLst>
-                <a:gd name="T0" fmla="*/ 174 w 199"/>
-                <a:gd name="T1" fmla="*/ 0 h 352"/>
-                <a:gd name="T2" fmla="*/ 26 w 199"/>
-                <a:gd name="T3" fmla="*/ 0 h 352"/>
-                <a:gd name="T4" fmla="*/ 0 w 199"/>
-                <a:gd name="T5" fmla="*/ 26 h 352"/>
-                <a:gd name="T6" fmla="*/ 0 w 199"/>
-                <a:gd name="T7" fmla="*/ 327 h 352"/>
-                <a:gd name="T8" fmla="*/ 26 w 199"/>
-                <a:gd name="T9" fmla="*/ 352 h 352"/>
-                <a:gd name="T10" fmla="*/ 174 w 199"/>
-                <a:gd name="T11" fmla="*/ 352 h 352"/>
-                <a:gd name="T12" fmla="*/ 199 w 199"/>
-                <a:gd name="T13" fmla="*/ 327 h 352"/>
-                <a:gd name="T14" fmla="*/ 199 w 199"/>
-                <a:gd name="T15" fmla="*/ 26 h 352"/>
-                <a:gd name="T16" fmla="*/ 174 w 199"/>
-                <a:gd name="T17" fmla="*/ 0 h 352"/>
-              </a:gdLst>
-              <a:ahLst/>
-              <a:cxnLst>
-                <a:cxn ang="0">
-                  <a:pos x="T0" y="T1"/>
-                </a:cxn>
-                <a:cxn ang="0">
-                  <a:pos x="T2" y="T3"/>
-                </a:cxn>
-                <a:cxn ang="0">
-                  <a:pos x="T4" y="T5"/>
-                </a:cxn>
-                <a:cxn ang="0">
-                  <a:pos x="T6" y="T7"/>
-                </a:cxn>
-                <a:cxn ang="0">
-                  <a:pos x="T8" y="T9"/>
-                </a:cxn>
-                <a:cxn ang="0">
-                  <a:pos x="T10" y="T11"/>
-                </a:cxn>
-                <a:cxn ang="0">
-                  <a:pos x="T12" y="T13"/>
-                </a:cxn>
-                <a:cxn ang="0">
-                  <a:pos x="T14" y="T15"/>
-                </a:cxn>
-                <a:cxn ang="0">
-                  <a:pos x="T16" y="T17"/>
-                </a:cxn>
-              </a:cxnLst>
-              <a:rect l="0" t="0" r="r" b="b"/>
-              <a:pathLst>
-                <a:path w="199" h="352">
-                  <a:moveTo>
-                    <a:pt x="174" y="0"/>
-                  </a:moveTo>
-                  <a:cubicBezTo>
-                    <a:pt x="26" y="0"/>
-                    <a:pt x="26" y="0"/>
-                    <a:pt x="26" y="0"/>
-                  </a:cubicBezTo>
-                  <a:cubicBezTo>
-                    <a:pt x="11" y="0"/>
-                    <a:pt x="0" y="12"/>
-                    <a:pt x="0" y="26"/>
-                  </a:cubicBezTo>
-                  <a:cubicBezTo>
-                    <a:pt x="0" y="327"/>
-                    <a:pt x="0" y="327"/>
-                    <a:pt x="0" y="327"/>
-                  </a:cubicBezTo>
-                  <a:cubicBezTo>
-                    <a:pt x="0" y="341"/>
-                    <a:pt x="11" y="352"/>
-                    <a:pt x="26" y="352"/>
-                  </a:cubicBezTo>
-                  <a:cubicBezTo>
-                    <a:pt x="174" y="352"/>
-                    <a:pt x="174" y="352"/>
-                    <a:pt x="174" y="352"/>
-                  </a:cubicBezTo>
-                  <a:cubicBezTo>
-                    <a:pt x="188" y="352"/>
-                    <a:pt x="199" y="341"/>
-                    <a:pt x="199" y="327"/>
-                  </a:cubicBezTo>
-                  <a:cubicBezTo>
-                    <a:pt x="199" y="26"/>
-                    <a:pt x="199" y="26"/>
-                    <a:pt x="199" y="26"/>
-                  </a:cubicBezTo>
-                  <a:cubicBezTo>
-                    <a:pt x="199" y="12"/>
-                    <a:pt x="188" y="0"/>
-                    <a:pt x="174" y="0"/>
-                  </a:cubicBezTo>
-                  <a:close/>
-                </a:path>
-              </a:pathLst>
-            </a:custGeom>
-            <a:solidFill>
-              <a:schemeClr val="tx1">
-                <a:lumMod val="65000"/>
-                <a:lumOff val="35000"/>
-              </a:schemeClr>
-            </a:solidFill>
-            <a:ln>
-              <a:noFill/>
-            </a:ln>
-            <a:effectLst>
-              <a:outerShdw blurRad="127000" dir="13500000" sy="23000" kx="1200000" algn="br" rotWithShape="0">
-                <a:prstClr val="black">
-                  <a:alpha val="10000"/>
-                </a:prstClr>
-              </a:outerShdw>
-            </a:effectLst>
-          </p:spPr>
-          <p:txBody>
-            <a:bodyPr vert="horz" wrap="square" lIns="91440" tIns="45720" rIns="91440" bIns="45720" numCol="1" anchor="t" anchorCtr="0" compatLnSpc="1">
-              <a:prstTxWarp prst="textNoShape">
-                <a:avLst/>
-              </a:prstTxWarp>
-            </a:bodyPr>
-            <a:lstStyle/>
-            <a:p>
-              <a:endParaRPr lang="id-ID"/>
-            </a:p>
-          </p:txBody>
-        </p:sp>
-        <p:sp>
-          <p:nvSpPr>
-            <p:cNvPr id="78" name="Rectangle 39"/>
-            <p:cNvSpPr>
-              <a:spLocks noChangeArrowheads="1"/>
-            </p:cNvSpPr>
-            <p:nvPr/>
-          </p:nvSpPr>
-          <p:spPr bwMode="auto">
-            <a:xfrm>
-              <a:off x="7379223" y="4718050"/>
-              <a:ext cx="612775" cy="919163"/>
-            </a:xfrm>
-            <a:prstGeom prst="rect">
-              <a:avLst/>
-            </a:prstGeom>
-            <a:solidFill>
-              <a:schemeClr val="accent6"/>
-            </a:solidFill>
-            <a:ln>
-              <a:noFill/>
-            </a:ln>
-          </p:spPr>
-          <p:txBody>
-            <a:bodyPr vert="horz" wrap="square" lIns="91440" tIns="45720" rIns="91440" bIns="45720" numCol="1" anchor="t" anchorCtr="0" compatLnSpc="1">
-              <a:prstTxWarp prst="textNoShape">
-                <a:avLst/>
-              </a:prstTxWarp>
-            </a:bodyPr>
-            <a:lstStyle/>
-            <a:p>
-              <a:endParaRPr lang="id-ID"/>
-            </a:p>
-          </p:txBody>
-        </p:sp>
-        <p:sp>
-          <p:nvSpPr>
-            <p:cNvPr id="79" name="Freeform 40"/>
-            <p:cNvSpPr>
-              <a:spLocks/>
-            </p:cNvSpPr>
-            <p:nvPr/>
-          </p:nvSpPr>
-          <p:spPr bwMode="auto">
-            <a:xfrm>
-              <a:off x="7543800" y="4627563"/>
-              <a:ext cx="263525" cy="26988"/>
-            </a:xfrm>
-            <a:custGeom>
-              <a:avLst/>
-              <a:gdLst>
-                <a:gd name="T0" fmla="*/ 166 w 166"/>
-                <a:gd name="T1" fmla="*/ 17 h 17"/>
-                <a:gd name="T2" fmla="*/ 0 w 166"/>
-                <a:gd name="T3" fmla="*/ 17 h 17"/>
-                <a:gd name="T4" fmla="*/ 0 w 166"/>
-                <a:gd name="T5" fmla="*/ 0 h 17"/>
-                <a:gd name="T6" fmla="*/ 166 w 166"/>
-                <a:gd name="T7" fmla="*/ 0 h 17"/>
-                <a:gd name="T8" fmla="*/ 166 w 166"/>
-                <a:gd name="T9" fmla="*/ 17 h 17"/>
-                <a:gd name="T10" fmla="*/ 166 w 166"/>
-                <a:gd name="T11" fmla="*/ 17 h 17"/>
-              </a:gdLst>
-              <a:ahLst/>
-              <a:cxnLst>
-                <a:cxn ang="0">
-                  <a:pos x="T0" y="T1"/>
-                </a:cxn>
-                <a:cxn ang="0">
-                  <a:pos x="T2" y="T3"/>
-                </a:cxn>
-                <a:cxn ang="0">
-                  <a:pos x="T4" y="T5"/>
-                </a:cxn>
-                <a:cxn ang="0">
-                  <a:pos x="T6" y="T7"/>
-                </a:cxn>
-                <a:cxn ang="0">
-                  <a:pos x="T8" y="T9"/>
-                </a:cxn>
-                <a:cxn ang="0">
-                  <a:pos x="T10" y="T11"/>
-                </a:cxn>
-              </a:cxnLst>
-              <a:rect l="0" t="0" r="r" b="b"/>
-              <a:pathLst>
-                <a:path w="166" h="17">
-                  <a:moveTo>
-                    <a:pt x="166" y="17"/>
-                  </a:moveTo>
-                  <a:lnTo>
-                    <a:pt x="0" y="17"/>
-                  </a:lnTo>
-                  <a:lnTo>
-                    <a:pt x="0" y="0"/>
-                  </a:lnTo>
-                  <a:lnTo>
-                    <a:pt x="166" y="0"/>
-                  </a:lnTo>
-                  <a:lnTo>
-                    <a:pt x="166" y="17"/>
-                  </a:lnTo>
-                  <a:lnTo>
-                    <a:pt x="166" y="17"/>
-                  </a:lnTo>
-                  <a:close/>
-                </a:path>
-              </a:pathLst>
-            </a:custGeom>
-            <a:solidFill>
-              <a:srgbClr val="FFFFFF"/>
-            </a:solidFill>
-            <a:ln>
-              <a:noFill/>
-            </a:ln>
-            <a:extLst>
-              <a:ext uri="{91240B29-F687-4f45-9708-019B960494DF}">
-                <a14:hiddenLine xmlns="" xmlns:a14="http://schemas.microsoft.com/office/drawing/2010/main" w="9525">
-                  <a:solidFill>
-                    <a:srgbClr val="000000"/>
-                  </a:solidFill>
-                  <a:round/>
-                  <a:headEnd/>
-                  <a:tailEnd/>
-                </a14:hiddenLine>
-              </a:ext>
-            </a:extLst>
-          </p:spPr>
-          <p:txBody>
-            <a:bodyPr vert="horz" wrap="square" lIns="91440" tIns="45720" rIns="91440" bIns="45720" numCol="1" anchor="t" anchorCtr="0" compatLnSpc="1">
-              <a:prstTxWarp prst="textNoShape">
-                <a:avLst/>
-              </a:prstTxWarp>
-            </a:bodyPr>
-            <a:lstStyle/>
-            <a:p>
-              <a:endParaRPr lang="id-ID"/>
-            </a:p>
-          </p:txBody>
-        </p:sp>
-        <p:sp>
-          <p:nvSpPr>
-            <p:cNvPr id="80" name="Oval 41"/>
-            <p:cNvSpPr>
-              <a:spLocks noChangeArrowheads="1"/>
-            </p:cNvSpPr>
-            <p:nvPr/>
-          </p:nvSpPr>
-          <p:spPr bwMode="auto">
-            <a:xfrm>
-              <a:off x="7867650" y="4616450"/>
-              <a:ext cx="50800" cy="49213"/>
-            </a:xfrm>
-            <a:prstGeom prst="ellipse">
-              <a:avLst/>
-            </a:prstGeom>
-            <a:solidFill>
-              <a:srgbClr val="FFFFFF"/>
-            </a:solidFill>
-            <a:ln>
-              <a:noFill/>
-            </a:ln>
-            <a:extLst>
-              <a:ext uri="{91240B29-F687-4f45-9708-019B960494DF}">
-                <a14:hiddenLine xmlns="" xmlns:a14="http://schemas.microsoft.com/office/drawing/2010/main" w="9525">
-                  <a:solidFill>
-                    <a:srgbClr val="000000"/>
-                  </a:solidFill>
-                  <a:round/>
-                  <a:headEnd/>
-                  <a:tailEnd/>
-                </a14:hiddenLine>
-              </a:ext>
-            </a:extLst>
-          </p:spPr>
-          <p:txBody>
-            <a:bodyPr vert="horz" wrap="square" lIns="91440" tIns="45720" rIns="91440" bIns="45720" numCol="1" anchor="t" anchorCtr="0" compatLnSpc="1">
-              <a:prstTxWarp prst="textNoShape">
-                <a:avLst/>
-              </a:prstTxWarp>
-            </a:bodyPr>
-            <a:lstStyle/>
-            <a:p>
-              <a:endParaRPr lang="id-ID"/>
-            </a:p>
-          </p:txBody>
-        </p:sp>
-        <p:sp>
-          <p:nvSpPr>
-            <p:cNvPr id="81" name="Rectangle 42"/>
-            <p:cNvSpPr>
-              <a:spLocks noChangeArrowheads="1"/>
-            </p:cNvSpPr>
-            <p:nvPr/>
-          </p:nvSpPr>
-          <p:spPr bwMode="auto">
-            <a:xfrm>
-              <a:off x="7556500" y="5713413"/>
-              <a:ext cx="239712" cy="71438"/>
-            </a:xfrm>
-            <a:prstGeom prst="rect">
-              <a:avLst/>
-            </a:prstGeom>
-            <a:solidFill>
-              <a:srgbClr val="FFFFFF"/>
-            </a:solidFill>
-            <a:ln>
-              <a:noFill/>
-            </a:ln>
-            <a:extLst>
-              <a:ext uri="{91240B29-F687-4f45-9708-019B960494DF}">
-                <a14:hiddenLine xmlns="" xmlns:a14="http://schemas.microsoft.com/office/drawing/2010/main" w="9525">
-                  <a:solidFill>
-                    <a:srgbClr val="000000"/>
-                  </a:solidFill>
-                  <a:miter lim="800000"/>
-                  <a:headEnd/>
-                  <a:tailEnd/>
-                </a14:hiddenLine>
-              </a:ext>
-            </a:extLst>
-          </p:spPr>
-          <p:txBody>
-            <a:bodyPr vert="horz" wrap="square" lIns="91440" tIns="45720" rIns="91440" bIns="45720" numCol="1" anchor="t" anchorCtr="0" compatLnSpc="1">
-              <a:prstTxWarp prst="textNoShape">
-                <a:avLst/>
-              </a:prstTxWarp>
-            </a:bodyPr>
-            <a:lstStyle/>
-            <a:p>
-              <a:endParaRPr lang="id-ID"/>
-            </a:p>
-          </p:txBody>
-        </p:sp>
-      </p:grpSp>
-      <p:grpSp>
-        <p:nvGrpSpPr>
-          <p:cNvPr id="82" name="Group 81"/>
-          <p:cNvGrpSpPr/>
-          <p:nvPr/>
-        </p:nvGrpSpPr>
-        <p:grpSpPr>
-          <a:xfrm>
-            <a:off x="1262429" y="1504970"/>
-            <a:ext cx="1384981" cy="1098964"/>
-            <a:chOff x="5499100" y="144463"/>
-            <a:chExt cx="3213100" cy="2614612"/>
-          </a:xfrm>
-          <a:effectLst>
-            <a:outerShdw blurRad="127000" dir="13500000" sy="23000" kx="1200000" algn="br" rotWithShape="0">
-              <a:prstClr val="black">
-                <a:alpha val="10000"/>
-              </a:prstClr>
-            </a:outerShdw>
-          </a:effectLst>
-        </p:grpSpPr>
-        <p:sp>
-          <p:nvSpPr>
-            <p:cNvPr id="83" name="Freeform 28"/>
-            <p:cNvSpPr>
-              <a:spLocks/>
-            </p:cNvSpPr>
-            <p:nvPr/>
-          </p:nvSpPr>
-          <p:spPr bwMode="auto">
-            <a:xfrm>
-              <a:off x="5499100" y="144463"/>
-              <a:ext cx="3213100" cy="1944687"/>
-            </a:xfrm>
-            <a:custGeom>
-              <a:avLst/>
-              <a:gdLst>
-                <a:gd name="T0" fmla="*/ 0 w 854"/>
-                <a:gd name="T1" fmla="*/ 516 h 516"/>
-                <a:gd name="T2" fmla="*/ 0 w 854"/>
-                <a:gd name="T3" fmla="*/ 19 h 516"/>
-                <a:gd name="T4" fmla="*/ 20 w 854"/>
-                <a:gd name="T5" fmla="*/ 0 h 516"/>
-                <a:gd name="T6" fmla="*/ 835 w 854"/>
-                <a:gd name="T7" fmla="*/ 0 h 516"/>
-                <a:gd name="T8" fmla="*/ 854 w 854"/>
-                <a:gd name="T9" fmla="*/ 19 h 516"/>
-                <a:gd name="T10" fmla="*/ 854 w 854"/>
-                <a:gd name="T11" fmla="*/ 516 h 516"/>
-                <a:gd name="T12" fmla="*/ 0 w 854"/>
-                <a:gd name="T13" fmla="*/ 516 h 516"/>
-              </a:gdLst>
-              <a:ahLst/>
-              <a:cxnLst>
-                <a:cxn ang="0">
-                  <a:pos x="T0" y="T1"/>
-                </a:cxn>
-                <a:cxn ang="0">
-                  <a:pos x="T2" y="T3"/>
-                </a:cxn>
-                <a:cxn ang="0">
-                  <a:pos x="T4" y="T5"/>
-                </a:cxn>
-                <a:cxn ang="0">
-                  <a:pos x="T6" y="T7"/>
-                </a:cxn>
-                <a:cxn ang="0">
-                  <a:pos x="T8" y="T9"/>
-                </a:cxn>
-                <a:cxn ang="0">
-                  <a:pos x="T10" y="T11"/>
-                </a:cxn>
-                <a:cxn ang="0">
-                  <a:pos x="T12" y="T13"/>
-                </a:cxn>
-              </a:cxnLst>
-              <a:rect l="0" t="0" r="r" b="b"/>
-              <a:pathLst>
-                <a:path w="854" h="516">
-                  <a:moveTo>
-                    <a:pt x="0" y="516"/>
-                  </a:moveTo>
-                  <a:cubicBezTo>
-                    <a:pt x="0" y="19"/>
-                    <a:pt x="0" y="19"/>
-                    <a:pt x="0" y="19"/>
-                  </a:cubicBezTo>
-                  <a:cubicBezTo>
-                    <a:pt x="0" y="8"/>
-                    <a:pt x="9" y="0"/>
-                    <a:pt x="20" y="0"/>
-                  </a:cubicBezTo>
-                  <a:cubicBezTo>
-                    <a:pt x="835" y="0"/>
-                    <a:pt x="835" y="0"/>
-                    <a:pt x="835" y="0"/>
-                  </a:cubicBezTo>
-                  <a:cubicBezTo>
-                    <a:pt x="845" y="0"/>
-                    <a:pt x="854" y="8"/>
-                    <a:pt x="854" y="19"/>
-                  </a:cubicBezTo>
-                  <a:cubicBezTo>
-                    <a:pt x="854" y="516"/>
-                    <a:pt x="854" y="516"/>
-                    <a:pt x="854" y="516"/>
-                  </a:cubicBezTo>
-                  <a:lnTo>
-                    <a:pt x="0" y="516"/>
-                  </a:lnTo>
-                  <a:close/>
-                </a:path>
-              </a:pathLst>
-            </a:custGeom>
-            <a:solidFill>
-              <a:schemeClr val="bg1">
-                <a:lumMod val="85000"/>
-              </a:schemeClr>
-            </a:solidFill>
-            <a:ln>
-              <a:noFill/>
-            </a:ln>
-            <a:extLst>
-              <a:ext uri="{91240B29-F687-4f45-9708-019B960494DF}">
-                <a14:hiddenLine xmlns="" xmlns:a14="http://schemas.microsoft.com/office/drawing/2010/main" w="9525">
-                  <a:solidFill>
-                    <a:srgbClr val="000000"/>
-                  </a:solidFill>
-                  <a:round/>
-                  <a:headEnd/>
-                  <a:tailEnd/>
-                </a14:hiddenLine>
-              </a:ext>
-            </a:extLst>
-          </p:spPr>
-          <p:txBody>
-            <a:bodyPr vert="horz" wrap="square" lIns="91440" tIns="45720" rIns="91440" bIns="45720" numCol="1" anchor="t" anchorCtr="0" compatLnSpc="1">
-              <a:prstTxWarp prst="textNoShape">
-                <a:avLst/>
-              </a:prstTxWarp>
-            </a:bodyPr>
-            <a:lstStyle/>
-            <a:p>
-              <a:endParaRPr lang="id-ID"/>
-            </a:p>
-          </p:txBody>
-        </p:sp>
-        <p:sp>
-          <p:nvSpPr>
-            <p:cNvPr id="84" name="Freeform 29"/>
-            <p:cNvSpPr>
-              <a:spLocks/>
-            </p:cNvSpPr>
-            <p:nvPr/>
-          </p:nvSpPr>
-          <p:spPr bwMode="auto">
-            <a:xfrm>
-              <a:off x="5499100" y="2089150"/>
-              <a:ext cx="3213100" cy="290512"/>
-            </a:xfrm>
-            <a:custGeom>
-              <a:avLst/>
-              <a:gdLst>
-                <a:gd name="T0" fmla="*/ 835 w 854"/>
-                <a:gd name="T1" fmla="*/ 77 h 77"/>
-                <a:gd name="T2" fmla="*/ 20 w 854"/>
-                <a:gd name="T3" fmla="*/ 77 h 77"/>
-                <a:gd name="T4" fmla="*/ 0 w 854"/>
-                <a:gd name="T5" fmla="*/ 58 h 77"/>
-                <a:gd name="T6" fmla="*/ 0 w 854"/>
-                <a:gd name="T7" fmla="*/ 0 h 77"/>
-                <a:gd name="T8" fmla="*/ 854 w 854"/>
-                <a:gd name="T9" fmla="*/ 0 h 77"/>
-                <a:gd name="T10" fmla="*/ 854 w 854"/>
-                <a:gd name="T11" fmla="*/ 58 h 77"/>
-                <a:gd name="T12" fmla="*/ 835 w 854"/>
-                <a:gd name="T13" fmla="*/ 77 h 77"/>
-              </a:gdLst>
-              <a:ahLst/>
-              <a:cxnLst>
-                <a:cxn ang="0">
-                  <a:pos x="T0" y="T1"/>
-                </a:cxn>
-                <a:cxn ang="0">
-                  <a:pos x="T2" y="T3"/>
-                </a:cxn>
-                <a:cxn ang="0">
-                  <a:pos x="T4" y="T5"/>
-                </a:cxn>
-                <a:cxn ang="0">
-                  <a:pos x="T6" y="T7"/>
-                </a:cxn>
-                <a:cxn ang="0">
-                  <a:pos x="T8" y="T9"/>
-                </a:cxn>
-                <a:cxn ang="0">
-                  <a:pos x="T10" y="T11"/>
-                </a:cxn>
-                <a:cxn ang="0">
-                  <a:pos x="T12" y="T13"/>
-                </a:cxn>
-              </a:cxnLst>
-              <a:rect l="0" t="0" r="r" b="b"/>
-              <a:pathLst>
-                <a:path w="854" h="77">
-                  <a:moveTo>
-                    <a:pt x="835" y="77"/>
-                  </a:moveTo>
-                  <a:cubicBezTo>
-                    <a:pt x="20" y="77"/>
-                    <a:pt x="20" y="77"/>
-                    <a:pt x="20" y="77"/>
-                  </a:cubicBezTo>
-                  <a:cubicBezTo>
-                    <a:pt x="9" y="77"/>
-                    <a:pt x="0" y="69"/>
-                    <a:pt x="0" y="58"/>
-                  </a:cubicBezTo>
-                  <a:cubicBezTo>
-                    <a:pt x="0" y="0"/>
-                    <a:pt x="0" y="0"/>
-                    <a:pt x="0" y="0"/>
-                  </a:cubicBezTo>
-                  <a:cubicBezTo>
-                    <a:pt x="854" y="0"/>
-                    <a:pt x="854" y="0"/>
-                    <a:pt x="854" y="0"/>
-                  </a:cubicBezTo>
-                  <a:cubicBezTo>
-                    <a:pt x="854" y="58"/>
-                    <a:pt x="854" y="58"/>
-                    <a:pt x="854" y="58"/>
-                  </a:cubicBezTo>
-                  <a:cubicBezTo>
-                    <a:pt x="854" y="69"/>
-                    <a:pt x="845" y="77"/>
-                    <a:pt x="835" y="77"/>
-                  </a:cubicBezTo>
-                </a:path>
-              </a:pathLst>
-            </a:custGeom>
-            <a:solidFill>
-              <a:schemeClr val="bg1">
-                <a:lumMod val="95000"/>
-              </a:schemeClr>
-            </a:solidFill>
-            <a:ln>
-              <a:noFill/>
-            </a:ln>
-          </p:spPr>
-          <p:txBody>
-            <a:bodyPr vert="horz" wrap="square" lIns="91440" tIns="45720" rIns="91440" bIns="45720" numCol="1" anchor="t" anchorCtr="0" compatLnSpc="1">
-              <a:prstTxWarp prst="textNoShape">
-                <a:avLst/>
-              </a:prstTxWarp>
-            </a:bodyPr>
-            <a:lstStyle/>
-            <a:p>
-              <a:endParaRPr lang="id-ID"/>
-            </a:p>
-          </p:txBody>
-        </p:sp>
-        <p:sp>
-          <p:nvSpPr>
-            <p:cNvPr id="85" name="Freeform 30"/>
-            <p:cNvSpPr>
-              <a:spLocks/>
-            </p:cNvSpPr>
-            <p:nvPr/>
-          </p:nvSpPr>
-          <p:spPr bwMode="auto">
-            <a:xfrm>
-              <a:off x="6594475" y="2371725"/>
-              <a:ext cx="1076325" cy="387350"/>
-            </a:xfrm>
-            <a:custGeom>
-              <a:avLst/>
-              <a:gdLst>
-                <a:gd name="T0" fmla="*/ 0 w 678"/>
-                <a:gd name="T1" fmla="*/ 244 h 244"/>
-                <a:gd name="T2" fmla="*/ 0 w 678"/>
-                <a:gd name="T3" fmla="*/ 218 h 244"/>
-                <a:gd name="T4" fmla="*/ 80 w 678"/>
-                <a:gd name="T5" fmla="*/ 209 h 244"/>
-                <a:gd name="T6" fmla="*/ 135 w 678"/>
-                <a:gd name="T7" fmla="*/ 0 h 244"/>
-                <a:gd name="T8" fmla="*/ 543 w 678"/>
-                <a:gd name="T9" fmla="*/ 0 h 244"/>
-                <a:gd name="T10" fmla="*/ 599 w 678"/>
-                <a:gd name="T11" fmla="*/ 209 h 244"/>
-                <a:gd name="T12" fmla="*/ 678 w 678"/>
-                <a:gd name="T13" fmla="*/ 218 h 244"/>
-                <a:gd name="T14" fmla="*/ 678 w 678"/>
-                <a:gd name="T15" fmla="*/ 244 h 244"/>
-                <a:gd name="T16" fmla="*/ 0 w 678"/>
-                <a:gd name="T17" fmla="*/ 244 h 244"/>
-              </a:gdLst>
-              <a:ahLst/>
-              <a:cxnLst>
-                <a:cxn ang="0">
-                  <a:pos x="T0" y="T1"/>
-                </a:cxn>
-                <a:cxn ang="0">
-                  <a:pos x="T2" y="T3"/>
-                </a:cxn>
-                <a:cxn ang="0">
-                  <a:pos x="T4" y="T5"/>
-                </a:cxn>
-                <a:cxn ang="0">
-                  <a:pos x="T6" y="T7"/>
-                </a:cxn>
-                <a:cxn ang="0">
-                  <a:pos x="T8" y="T9"/>
-                </a:cxn>
-                <a:cxn ang="0">
-                  <a:pos x="T10" y="T11"/>
-                </a:cxn>
-                <a:cxn ang="0">
-                  <a:pos x="T12" y="T13"/>
-                </a:cxn>
-                <a:cxn ang="0">
-                  <a:pos x="T14" y="T15"/>
-                </a:cxn>
-                <a:cxn ang="0">
-                  <a:pos x="T16" y="T17"/>
-                </a:cxn>
-              </a:cxnLst>
-              <a:rect l="0" t="0" r="r" b="b"/>
-              <a:pathLst>
-                <a:path w="678" h="244">
-                  <a:moveTo>
-                    <a:pt x="0" y="244"/>
-                  </a:moveTo>
-                  <a:lnTo>
-                    <a:pt x="0" y="218"/>
-                  </a:lnTo>
-                  <a:lnTo>
-                    <a:pt x="80" y="209"/>
-                  </a:lnTo>
-                  <a:lnTo>
-                    <a:pt x="135" y="0"/>
-                  </a:lnTo>
-                  <a:lnTo>
-                    <a:pt x="543" y="0"/>
-                  </a:lnTo>
-                  <a:lnTo>
-                    <a:pt x="599" y="209"/>
-                  </a:lnTo>
-                  <a:lnTo>
-                    <a:pt x="678" y="218"/>
-                  </a:lnTo>
-                  <a:lnTo>
-                    <a:pt x="678" y="244"/>
-                  </a:lnTo>
-                  <a:lnTo>
-                    <a:pt x="0" y="244"/>
-                  </a:lnTo>
-                  <a:close/>
-                </a:path>
-              </a:pathLst>
-            </a:custGeom>
-            <a:solidFill>
-              <a:schemeClr val="bg1">
-                <a:lumMod val="95000"/>
-              </a:schemeClr>
-            </a:solidFill>
-            <a:ln>
-              <a:noFill/>
-            </a:ln>
-          </p:spPr>
-          <p:txBody>
-            <a:bodyPr vert="horz" wrap="square" lIns="91440" tIns="45720" rIns="91440" bIns="45720" numCol="1" anchor="t" anchorCtr="0" compatLnSpc="1">
-              <a:prstTxWarp prst="textNoShape">
-                <a:avLst/>
-              </a:prstTxWarp>
-            </a:bodyPr>
-            <a:lstStyle/>
-            <a:p>
-              <a:endParaRPr lang="id-ID"/>
-            </a:p>
-          </p:txBody>
-        </p:sp>
-        <p:sp>
-          <p:nvSpPr>
-            <p:cNvPr id="86" name="Freeform 31"/>
-            <p:cNvSpPr>
-              <a:spLocks/>
-            </p:cNvSpPr>
-            <p:nvPr/>
-          </p:nvSpPr>
-          <p:spPr bwMode="auto">
-            <a:xfrm>
-              <a:off x="6594475" y="2371725"/>
-              <a:ext cx="1076325" cy="387350"/>
-            </a:xfrm>
-            <a:custGeom>
-              <a:avLst/>
-              <a:gdLst>
-                <a:gd name="T0" fmla="*/ 0 w 678"/>
-                <a:gd name="T1" fmla="*/ 244 h 244"/>
-                <a:gd name="T2" fmla="*/ 0 w 678"/>
-                <a:gd name="T3" fmla="*/ 218 h 244"/>
-                <a:gd name="T4" fmla="*/ 80 w 678"/>
-                <a:gd name="T5" fmla="*/ 209 h 244"/>
-                <a:gd name="T6" fmla="*/ 135 w 678"/>
-                <a:gd name="T7" fmla="*/ 0 h 244"/>
-                <a:gd name="T8" fmla="*/ 543 w 678"/>
-                <a:gd name="T9" fmla="*/ 0 h 244"/>
-                <a:gd name="T10" fmla="*/ 599 w 678"/>
-                <a:gd name="T11" fmla="*/ 209 h 244"/>
-                <a:gd name="T12" fmla="*/ 678 w 678"/>
-                <a:gd name="T13" fmla="*/ 218 h 244"/>
-                <a:gd name="T14" fmla="*/ 678 w 678"/>
-                <a:gd name="T15" fmla="*/ 244 h 244"/>
-                <a:gd name="T16" fmla="*/ 0 w 678"/>
-                <a:gd name="T17" fmla="*/ 244 h 244"/>
-              </a:gdLst>
-              <a:ahLst/>
-              <a:cxnLst>
-                <a:cxn ang="0">
-                  <a:pos x="T0" y="T1"/>
-                </a:cxn>
-                <a:cxn ang="0">
-                  <a:pos x="T2" y="T3"/>
-                </a:cxn>
-                <a:cxn ang="0">
-                  <a:pos x="T4" y="T5"/>
-                </a:cxn>
-                <a:cxn ang="0">
-                  <a:pos x="T6" y="T7"/>
-                </a:cxn>
-                <a:cxn ang="0">
-                  <a:pos x="T8" y="T9"/>
-                </a:cxn>
-                <a:cxn ang="0">
-                  <a:pos x="T10" y="T11"/>
-                </a:cxn>
-                <a:cxn ang="0">
-                  <a:pos x="T12" y="T13"/>
-                </a:cxn>
-                <a:cxn ang="0">
-                  <a:pos x="T14" y="T15"/>
-                </a:cxn>
-                <a:cxn ang="0">
-                  <a:pos x="T16" y="T17"/>
-                </a:cxn>
-              </a:cxnLst>
-              <a:rect l="0" t="0" r="r" b="b"/>
-              <a:pathLst>
-                <a:path w="678" h="244">
-                  <a:moveTo>
-                    <a:pt x="0" y="244"/>
-                  </a:moveTo>
-                  <a:lnTo>
-                    <a:pt x="0" y="218"/>
-                  </a:lnTo>
-                  <a:lnTo>
-                    <a:pt x="80" y="209"/>
-                  </a:lnTo>
-                  <a:lnTo>
-                    <a:pt x="135" y="0"/>
-                  </a:lnTo>
-                  <a:lnTo>
-                    <a:pt x="543" y="0"/>
-                  </a:lnTo>
-                  <a:lnTo>
-                    <a:pt x="599" y="209"/>
-                  </a:lnTo>
-                  <a:lnTo>
-                    <a:pt x="678" y="218"/>
-                  </a:lnTo>
-                  <a:lnTo>
-                    <a:pt x="678" y="244"/>
-                  </a:lnTo>
-                  <a:lnTo>
-                    <a:pt x="0" y="244"/>
-                  </a:lnTo>
-                </a:path>
-              </a:pathLst>
-            </a:custGeom>
-            <a:noFill/>
-            <a:ln>
-              <a:noFill/>
-            </a:ln>
-            <a:extLst>
-              <a:ext uri="{909E8E84-426E-40dd-AFC4-6F175D3DCCD1}">
-                <a14:hiddenFill xmlns="" xmlns:a14="http://schemas.microsoft.com/office/drawing/2010/main">
-                  <a:solidFill>
-                    <a:srgbClr val="FFFFFF"/>
-                  </a:solidFill>
-                </a14:hiddenFill>
-              </a:ext>
-              <a:ext uri="{91240B29-F687-4f45-9708-019B960494DF}">
-                <a14:hiddenLine xmlns="" xmlns:a14="http://schemas.microsoft.com/office/drawing/2010/main" w="9525">
-                  <a:solidFill>
-                    <a:srgbClr val="000000"/>
-                  </a:solidFill>
-                  <a:round/>
-                  <a:headEnd/>
-                  <a:tailEnd/>
-                </a14:hiddenLine>
-              </a:ext>
-            </a:extLst>
-          </p:spPr>
-          <p:txBody>
-            <a:bodyPr vert="horz" wrap="square" lIns="91440" tIns="45720" rIns="91440" bIns="45720" numCol="1" anchor="t" anchorCtr="0" compatLnSpc="1">
-              <a:prstTxWarp prst="textNoShape">
-                <a:avLst/>
-              </a:prstTxWarp>
-            </a:bodyPr>
-            <a:lstStyle/>
-            <a:p>
-              <a:endParaRPr lang="id-ID"/>
-            </a:p>
-          </p:txBody>
-        </p:sp>
-        <p:sp>
-          <p:nvSpPr>
-            <p:cNvPr id="87" name="Rectangle 32"/>
-            <p:cNvSpPr>
-              <a:spLocks noChangeArrowheads="1"/>
-            </p:cNvSpPr>
-            <p:nvPr/>
-          </p:nvSpPr>
-          <p:spPr bwMode="auto">
-            <a:xfrm>
-              <a:off x="5600700" y="268288"/>
-              <a:ext cx="3009900" cy="1695450"/>
-            </a:xfrm>
-            <a:prstGeom prst="rect">
-              <a:avLst/>
-            </a:prstGeom>
-            <a:solidFill>
-              <a:schemeClr val="accent6"/>
-            </a:solidFill>
-            <a:ln>
-              <a:noFill/>
-            </a:ln>
-            <a:extLst>
-              <a:ext uri="{91240B29-F687-4f45-9708-019B960494DF}">
-                <a14:hiddenLine xmlns="" xmlns:a14="http://schemas.microsoft.com/office/drawing/2010/main" w="9525">
-                  <a:solidFill>
-                    <a:srgbClr val="000000"/>
-                  </a:solidFill>
-                  <a:miter lim="800000"/>
-                  <a:headEnd/>
-                  <a:tailEnd/>
-                </a14:hiddenLine>
-              </a:ext>
-            </a:extLst>
-          </p:spPr>
-          <p:txBody>
-            <a:bodyPr vert="horz" wrap="square" lIns="91440" tIns="45720" rIns="91440" bIns="45720" numCol="1" anchor="t" anchorCtr="0" compatLnSpc="1">
-              <a:prstTxWarp prst="textNoShape">
-                <a:avLst/>
-              </a:prstTxWarp>
-            </a:bodyPr>
-            <a:lstStyle/>
-            <a:p>
-              <a:endParaRPr lang="id-ID"/>
-            </a:p>
-          </p:txBody>
-        </p:sp>
-        <p:sp>
-          <p:nvSpPr>
-            <p:cNvPr id="88" name="Freeform 33"/>
-            <p:cNvSpPr>
-              <a:spLocks/>
-            </p:cNvSpPr>
-            <p:nvPr/>
-          </p:nvSpPr>
-          <p:spPr bwMode="auto">
-            <a:xfrm>
-              <a:off x="6797675" y="2371725"/>
-              <a:ext cx="673100" cy="60325"/>
-            </a:xfrm>
-            <a:custGeom>
-              <a:avLst/>
-              <a:gdLst>
-                <a:gd name="T0" fmla="*/ 415 w 424"/>
-                <a:gd name="T1" fmla="*/ 0 h 38"/>
-                <a:gd name="T2" fmla="*/ 7 w 424"/>
-                <a:gd name="T3" fmla="*/ 0 h 38"/>
-                <a:gd name="T4" fmla="*/ 0 w 424"/>
-                <a:gd name="T5" fmla="*/ 38 h 38"/>
-                <a:gd name="T6" fmla="*/ 424 w 424"/>
-                <a:gd name="T7" fmla="*/ 38 h 38"/>
-                <a:gd name="T8" fmla="*/ 415 w 424"/>
-                <a:gd name="T9" fmla="*/ 0 h 38"/>
-              </a:gdLst>
-              <a:ahLst/>
-              <a:cxnLst>
-                <a:cxn ang="0">
-                  <a:pos x="T0" y="T1"/>
-                </a:cxn>
-                <a:cxn ang="0">
-                  <a:pos x="T2" y="T3"/>
-                </a:cxn>
-                <a:cxn ang="0">
-                  <a:pos x="T4" y="T5"/>
-                </a:cxn>
-                <a:cxn ang="0">
-                  <a:pos x="T6" y="T7"/>
-                </a:cxn>
-                <a:cxn ang="0">
-                  <a:pos x="T8" y="T9"/>
-                </a:cxn>
-              </a:cxnLst>
-              <a:rect l="0" t="0" r="r" b="b"/>
-              <a:pathLst>
-                <a:path w="424" h="38">
-                  <a:moveTo>
-                    <a:pt x="415" y="0"/>
-                  </a:moveTo>
-                  <a:lnTo>
-                    <a:pt x="7" y="0"/>
-                  </a:lnTo>
-                  <a:lnTo>
-                    <a:pt x="0" y="38"/>
-                  </a:lnTo>
-                  <a:lnTo>
-                    <a:pt x="424" y="38"/>
-                  </a:lnTo>
-                  <a:lnTo>
-                    <a:pt x="415" y="0"/>
-                  </a:lnTo>
-                  <a:close/>
-                </a:path>
-              </a:pathLst>
-            </a:custGeom>
-            <a:solidFill>
-              <a:schemeClr val="tx1">
-                <a:alpha val="5000"/>
-              </a:schemeClr>
-            </a:solidFill>
-            <a:ln>
-              <a:noFill/>
-            </a:ln>
-          </p:spPr>
-          <p:txBody>
-            <a:bodyPr vert="horz" wrap="square" lIns="91440" tIns="45720" rIns="91440" bIns="45720" numCol="1" anchor="t" anchorCtr="0" compatLnSpc="1">
-              <a:prstTxWarp prst="textNoShape">
-                <a:avLst/>
-              </a:prstTxWarp>
-            </a:bodyPr>
-            <a:lstStyle/>
-            <a:p>
-              <a:endParaRPr lang="id-ID"/>
-            </a:p>
-          </p:txBody>
-        </p:sp>
-        <p:sp>
-          <p:nvSpPr>
-            <p:cNvPr id="89" name="Freeform 34"/>
-            <p:cNvSpPr>
-              <a:spLocks/>
-            </p:cNvSpPr>
-            <p:nvPr/>
-          </p:nvSpPr>
-          <p:spPr bwMode="auto">
-            <a:xfrm>
-              <a:off x="6797675" y="2371725"/>
-              <a:ext cx="673100" cy="60325"/>
-            </a:xfrm>
-            <a:custGeom>
-              <a:avLst/>
-              <a:gdLst>
-                <a:gd name="T0" fmla="*/ 415 w 424"/>
-                <a:gd name="T1" fmla="*/ 0 h 38"/>
-                <a:gd name="T2" fmla="*/ 7 w 424"/>
-                <a:gd name="T3" fmla="*/ 0 h 38"/>
-                <a:gd name="T4" fmla="*/ 0 w 424"/>
-                <a:gd name="T5" fmla="*/ 38 h 38"/>
-                <a:gd name="T6" fmla="*/ 424 w 424"/>
-                <a:gd name="T7" fmla="*/ 38 h 38"/>
-                <a:gd name="T8" fmla="*/ 415 w 424"/>
-                <a:gd name="T9" fmla="*/ 0 h 38"/>
-              </a:gdLst>
-              <a:ahLst/>
-              <a:cxnLst>
-                <a:cxn ang="0">
-                  <a:pos x="T0" y="T1"/>
-                </a:cxn>
-                <a:cxn ang="0">
-                  <a:pos x="T2" y="T3"/>
-                </a:cxn>
-                <a:cxn ang="0">
-                  <a:pos x="T4" y="T5"/>
-                </a:cxn>
-                <a:cxn ang="0">
-                  <a:pos x="T6" y="T7"/>
-                </a:cxn>
-                <a:cxn ang="0">
-                  <a:pos x="T8" y="T9"/>
-                </a:cxn>
-              </a:cxnLst>
-              <a:rect l="0" t="0" r="r" b="b"/>
-              <a:pathLst>
-                <a:path w="424" h="38">
-                  <a:moveTo>
-                    <a:pt x="415" y="0"/>
-                  </a:moveTo>
-                  <a:lnTo>
-                    <a:pt x="7" y="0"/>
-                  </a:lnTo>
-                  <a:lnTo>
-                    <a:pt x="0" y="38"/>
-                  </a:lnTo>
-                  <a:lnTo>
-                    <a:pt x="424" y="38"/>
-                  </a:lnTo>
-                  <a:lnTo>
-                    <a:pt x="415" y="0"/>
-                  </a:lnTo>
-                </a:path>
-              </a:pathLst>
-            </a:custGeom>
-            <a:noFill/>
-            <a:ln>
-              <a:noFill/>
-            </a:ln>
-            <a:extLst>
-              <a:ext uri="{909E8E84-426E-40dd-AFC4-6F175D3DCCD1}">
-                <a14:hiddenFill xmlns="" xmlns:a14="http://schemas.microsoft.com/office/drawing/2010/main">
-                  <a:solidFill>
-                    <a:srgbClr val="FFFFFF"/>
-                  </a:solidFill>
-                </a14:hiddenFill>
-              </a:ext>
-              <a:ext uri="{91240B29-F687-4f45-9708-019B960494DF}">
-                <a14:hiddenLine xmlns="" xmlns:a14="http://schemas.microsoft.com/office/drawing/2010/main" w="9525">
-                  <a:solidFill>
-                    <a:srgbClr val="000000"/>
-                  </a:solidFill>
-                  <a:round/>
-                  <a:headEnd/>
-                  <a:tailEnd/>
-                </a14:hiddenLine>
-              </a:ext>
-            </a:extLst>
-          </p:spPr>
-          <p:txBody>
-            <a:bodyPr vert="horz" wrap="square" lIns="91440" tIns="45720" rIns="91440" bIns="45720" numCol="1" anchor="t" anchorCtr="0" compatLnSpc="1">
-              <a:prstTxWarp prst="textNoShape">
-                <a:avLst/>
-              </a:prstTxWarp>
-            </a:bodyPr>
-            <a:lstStyle/>
-            <a:p>
-              <a:endParaRPr lang="id-ID"/>
-            </a:p>
-          </p:txBody>
-        </p:sp>
-      </p:grpSp>
-      <p:pic>
-        <p:nvPicPr>
-          <p:cNvPr id="75" name="Picture Placeholder 2"/>
-          <p:cNvPicPr>
-            <a:picLocks noChangeAspect="1"/>
-          </p:cNvPicPr>
-          <p:nvPr/>
-        </p:nvPicPr>
-        <p:blipFill>
-          <a:blip r:embed="rId5" cstate="print">
-            <a:extLst>
-              <a:ext uri="{28A0092B-C50C-407E-A947-70E740481C1C}">
-                <a14:useLocalDpi xmlns:a14="http://schemas.microsoft.com/office/drawing/2010/main" val="0"/>
-              </a:ext>
-            </a:extLst>
-          </a:blip>
-          <a:srcRect l="16635" r="16635"/>
-          <a:stretch>
-            <a:fillRect/>
-          </a:stretch>
-        </p:blipFill>
-        <p:spPr>
-          <a:xfrm>
-            <a:off x="827845" y="1145352"/>
-            <a:ext cx="968545" cy="961647"/>
-          </a:xfrm>
-          <a:prstGeom prst="ellipse">
-            <a:avLst/>
-          </a:prstGeom>
-        </p:spPr>
-      </p:pic>
-      <p:cxnSp>
-        <p:nvCxnSpPr>
-          <p:cNvPr id="90" name="Straight Connector 89"/>
-          <p:cNvCxnSpPr/>
-          <p:nvPr/>
-        </p:nvCxnSpPr>
-        <p:spPr>
-          <a:xfrm>
-            <a:off x="3438546" y="1957048"/>
-            <a:ext cx="3207721" cy="12072"/>
-          </a:xfrm>
-          <a:prstGeom prst="line">
-            <a:avLst/>
-          </a:prstGeom>
-          <a:ln w="38100">
-            <a:solidFill>
-              <a:schemeClr val="bg1">
-                <a:lumMod val="75000"/>
-              </a:schemeClr>
-            </a:solidFill>
-            <a:prstDash val="solid"/>
-            <a:headEnd type="triangle" w="med" len="med"/>
-            <a:tailEnd type="triangle" w="med" len="med"/>
-          </a:ln>
-        </p:spPr>
-        <p:style>
-          <a:lnRef idx="1">
-            <a:schemeClr val="accent1"/>
-          </a:lnRef>
-          <a:fillRef idx="0">
-            <a:schemeClr val="accent1"/>
-          </a:fillRef>
-          <a:effectRef idx="0">
-            <a:schemeClr val="accent1"/>
-          </a:effectRef>
-          <a:fontRef idx="minor">
-            <a:schemeClr val="tx1"/>
-          </a:fontRef>
-        </p:style>
-      </p:cxnSp>
-      <p:sp>
-        <p:nvSpPr>
-          <p:cNvPr id="94" name="TextBox 93"/>
-          <p:cNvSpPr txBox="1"/>
-          <p:nvPr/>
-        </p:nvSpPr>
-        <p:spPr>
-          <a:xfrm>
-            <a:off x="1575682" y="2712928"/>
-            <a:ext cx="1298534" cy="307777"/>
-          </a:xfrm>
-          <a:prstGeom prst="rect">
-            <a:avLst/>
-          </a:prstGeom>
-          <a:noFill/>
-        </p:spPr>
-        <p:txBody>
-          <a:bodyPr wrap="square" rtlCol="0">
-            <a:spAutoFit/>
-          </a:bodyPr>
-          <a:lstStyle/>
-          <a:p>
-            <a:pPr algn="ctr"/>
-            <a:r>
-              <a:rPr lang="id-ID" sz="1400" dirty="0" err="1" smtClean="0">
-                <a:solidFill>
-                  <a:schemeClr val="bg1"/>
-                </a:solidFill>
-                <a:latin typeface="+mj-lt"/>
-              </a:rPr>
-              <a:t>Client</a:t>
-            </a:r>
-            <a:endParaRPr lang="id-ID" sz="1400" dirty="0">
-              <a:solidFill>
-                <a:schemeClr val="bg1"/>
-              </a:solidFill>
-              <a:latin typeface="+mj-lt"/>
-            </a:endParaRPr>
-          </a:p>
-        </p:txBody>
-      </p:sp>
-      <p:sp>
-        <p:nvSpPr>
-          <p:cNvPr id="98" name="TextBox 97"/>
-          <p:cNvSpPr txBox="1"/>
-          <p:nvPr/>
-        </p:nvSpPr>
-        <p:spPr>
-          <a:xfrm>
-            <a:off x="2793318" y="268876"/>
-            <a:ext cx="6875831" cy="830997"/>
-          </a:xfrm>
-          <a:prstGeom prst="rect">
-            <a:avLst/>
-          </a:prstGeom>
-          <a:noFill/>
-        </p:spPr>
-        <p:txBody>
-          <a:bodyPr wrap="square" rtlCol="0">
-            <a:spAutoFit/>
-          </a:bodyPr>
-          <a:lstStyle/>
-          <a:p>
-            <a:pPr algn="ctr"/>
-            <a:r>
-              <a:rPr lang="id-ID" sz="4800" b="1" dirty="0" err="1" smtClean="0">
-                <a:solidFill>
-                  <a:schemeClr val="bg1"/>
-                </a:solidFill>
-              </a:rPr>
-              <a:t>Workshop</a:t>
-            </a:r>
-            <a:r>
-              <a:rPr lang="id-ID" sz="4800" b="1" dirty="0" smtClean="0">
-                <a:solidFill>
-                  <a:schemeClr val="bg1"/>
-                </a:solidFill>
-              </a:rPr>
-              <a:t>: </a:t>
-            </a:r>
-            <a:r>
-              <a:rPr lang="id-ID" sz="4800" b="1" dirty="0" err="1" smtClean="0">
-                <a:solidFill>
-                  <a:schemeClr val="bg1"/>
-                </a:solidFill>
-              </a:rPr>
-              <a:t>Back</a:t>
-            </a:r>
-            <a:r>
-              <a:rPr lang="id-ID" sz="4800" b="1" dirty="0" smtClean="0">
-                <a:solidFill>
-                  <a:schemeClr val="bg1"/>
-                </a:solidFill>
-              </a:rPr>
-              <a:t> </a:t>
-            </a:r>
-            <a:r>
-              <a:rPr lang="id-ID" sz="4800" b="1" dirty="0" err="1" smtClean="0">
-                <a:solidFill>
-                  <a:schemeClr val="bg1"/>
-                </a:solidFill>
-              </a:rPr>
-              <a:t>End</a:t>
-            </a:r>
-            <a:endParaRPr lang="id-ID" sz="4800" b="1" dirty="0">
-              <a:solidFill>
-                <a:schemeClr val="bg1"/>
-              </a:solidFill>
-            </a:endParaRPr>
-          </a:p>
-        </p:txBody>
-      </p:sp>
-      <p:pic>
-        <p:nvPicPr>
-          <p:cNvPr id="2" name="Picture 1"/>
-          <p:cNvPicPr>
-            <a:picLocks noChangeAspect="1"/>
-          </p:cNvPicPr>
-          <p:nvPr/>
-        </p:nvPicPr>
-        <p:blipFill>
-          <a:blip r:embed="rId6">
-            <a:extLst>
-              <a:ext uri="{28A0092B-C50C-407E-A947-70E740481C1C}">
-                <a14:useLocalDpi xmlns:a14="http://schemas.microsoft.com/office/drawing/2010/main" val="0"/>
-              </a:ext>
-            </a:extLst>
-          </a:blip>
-          <a:stretch>
-            <a:fillRect/>
-          </a:stretch>
-        </p:blipFill>
-        <p:spPr>
-          <a:xfrm>
-            <a:off x="6549481" y="5379523"/>
-            <a:ext cx="940154" cy="940154"/>
-          </a:xfrm>
-          <a:prstGeom prst="rect">
-            <a:avLst/>
-          </a:prstGeom>
-        </p:spPr>
-      </p:pic>
-      <p:sp>
-        <p:nvSpPr>
-          <p:cNvPr id="54" name="TextBox 53"/>
-          <p:cNvSpPr txBox="1"/>
-          <p:nvPr/>
-        </p:nvSpPr>
-        <p:spPr>
-          <a:xfrm>
-            <a:off x="9205995" y="2832115"/>
-            <a:ext cx="1583703" cy="307777"/>
-          </a:xfrm>
-          <a:prstGeom prst="rect">
-            <a:avLst/>
-          </a:prstGeom>
-          <a:noFill/>
-        </p:spPr>
-        <p:txBody>
-          <a:bodyPr wrap="none" rtlCol="0">
-            <a:spAutoFit/>
-          </a:bodyPr>
-          <a:lstStyle/>
-          <a:p>
-            <a:pPr algn="ctr"/>
-            <a:r>
-              <a:rPr lang="en-US" sz="1400" b="1" dirty="0" smtClean="0">
-                <a:solidFill>
-                  <a:schemeClr val="bg1"/>
-                </a:solidFill>
-                <a:latin typeface="Calibri" charset="0"/>
-                <a:ea typeface="Calibri" charset="0"/>
-                <a:cs typeface="Calibri" charset="0"/>
-              </a:rPr>
-              <a:t>Custom Authorizer</a:t>
-            </a:r>
-            <a:endParaRPr lang="id-ID" sz="1400" b="1" dirty="0">
-              <a:solidFill>
-                <a:schemeClr val="bg1"/>
-              </a:solidFill>
-              <a:latin typeface="Calibri" charset="0"/>
-              <a:ea typeface="Calibri" charset="0"/>
-              <a:cs typeface="Calibri" charset="0"/>
-            </a:endParaRPr>
-          </a:p>
-        </p:txBody>
-      </p:sp>
-      <p:sp>
-        <p:nvSpPr>
-          <p:cNvPr id="56" name="TextBox 55"/>
-          <p:cNvSpPr txBox="1"/>
-          <p:nvPr/>
-        </p:nvSpPr>
-        <p:spPr>
-          <a:xfrm>
-            <a:off x="7524107" y="3732544"/>
-            <a:ext cx="1513556" cy="523220"/>
-          </a:xfrm>
-          <a:prstGeom prst="rect">
-            <a:avLst/>
-          </a:prstGeom>
-          <a:noFill/>
-        </p:spPr>
-        <p:txBody>
-          <a:bodyPr wrap="none" rtlCol="0">
-            <a:spAutoFit/>
-          </a:bodyPr>
-          <a:lstStyle/>
-          <a:p>
-            <a:pPr algn="ctr"/>
-            <a:r>
-              <a:rPr lang="en-US" sz="1400" b="1" smtClean="0">
-                <a:solidFill>
-                  <a:schemeClr val="bg1"/>
-                </a:solidFill>
-                <a:latin typeface="Calibri" charset="0"/>
-                <a:ea typeface="Calibri" charset="0"/>
-                <a:cs typeface="Calibri" charset="0"/>
-              </a:rPr>
-              <a:t>Lambda Function:</a:t>
-            </a:r>
-            <a:br>
-              <a:rPr lang="en-US" sz="1400" b="1" smtClean="0">
-                <a:solidFill>
-                  <a:schemeClr val="bg1"/>
-                </a:solidFill>
-                <a:latin typeface="Calibri" charset="0"/>
-                <a:ea typeface="Calibri" charset="0"/>
-                <a:cs typeface="Calibri" charset="0"/>
-              </a:rPr>
-            </a:br>
-            <a:r>
-              <a:rPr lang="en-US" sz="1400" b="1" smtClean="0">
-                <a:solidFill>
-                  <a:schemeClr val="bg1"/>
-                </a:solidFill>
-                <a:latin typeface="Calibri" charset="0"/>
-                <a:ea typeface="Calibri" charset="0"/>
-                <a:cs typeface="Calibri" charset="0"/>
-              </a:rPr>
-              <a:t>get-user-profile</a:t>
-            </a:r>
-            <a:endParaRPr lang="id-ID" sz="1400" b="1" dirty="0">
-              <a:solidFill>
-                <a:schemeClr val="bg1"/>
-              </a:solidFill>
-              <a:latin typeface="Calibri" charset="0"/>
-              <a:ea typeface="Calibri" charset="0"/>
-              <a:cs typeface="Calibri" charset="0"/>
-            </a:endParaRPr>
-          </a:p>
-        </p:txBody>
-      </p:sp>
-      <p:sp>
-        <p:nvSpPr>
-          <p:cNvPr id="57" name="TextBox 56"/>
-          <p:cNvSpPr txBox="1"/>
-          <p:nvPr/>
-        </p:nvSpPr>
-        <p:spPr>
-          <a:xfrm>
-            <a:off x="7723360" y="5635650"/>
-            <a:ext cx="933269" cy="307777"/>
-          </a:xfrm>
-          <a:prstGeom prst="rect">
-            <a:avLst/>
-          </a:prstGeom>
-          <a:noFill/>
-        </p:spPr>
-        <p:txBody>
-          <a:bodyPr wrap="none" rtlCol="0">
-            <a:spAutoFit/>
-          </a:bodyPr>
-          <a:lstStyle/>
-          <a:p>
-            <a:pPr algn="ctr"/>
-            <a:r>
-              <a:rPr lang="en-US" sz="1400" b="1" smtClean="0">
-                <a:solidFill>
-                  <a:schemeClr val="bg1"/>
-                </a:solidFill>
-                <a:latin typeface="Calibri" charset="0"/>
-                <a:ea typeface="Calibri" charset="0"/>
-                <a:cs typeface="Calibri" charset="0"/>
-              </a:rPr>
-              <a:t>Auth0 API</a:t>
-            </a:r>
-            <a:endParaRPr lang="id-ID" sz="1400" b="1" dirty="0">
-              <a:solidFill>
-                <a:schemeClr val="bg1"/>
-              </a:solidFill>
-              <a:latin typeface="Calibri" charset="0"/>
-              <a:ea typeface="Calibri" charset="0"/>
-              <a:cs typeface="Calibri" charset="0"/>
-            </a:endParaRPr>
-          </a:p>
-        </p:txBody>
-      </p:sp>
-      <p:cxnSp>
-        <p:nvCxnSpPr>
-          <p:cNvPr id="58" name="Straight Connector 57"/>
-          <p:cNvCxnSpPr>
-            <a:stCxn id="218" idx="2"/>
-          </p:cNvCxnSpPr>
-          <p:nvPr/>
-        </p:nvCxnSpPr>
-        <p:spPr>
-          <a:xfrm>
-            <a:off x="7019558" y="4411620"/>
-            <a:ext cx="0" cy="907842"/>
-          </a:xfrm>
-          <a:prstGeom prst="line">
-            <a:avLst/>
-          </a:prstGeom>
-          <a:ln w="38100">
-            <a:solidFill>
-              <a:schemeClr val="bg1">
-                <a:lumMod val="75000"/>
-              </a:schemeClr>
-            </a:solidFill>
-            <a:prstDash val="solid"/>
-            <a:headEnd type="triangle"/>
-            <a:tailEnd type="stealth"/>
-          </a:ln>
-        </p:spPr>
-        <p:style>
-          <a:lnRef idx="1">
-            <a:schemeClr val="accent1"/>
-          </a:lnRef>
-          <a:fillRef idx="0">
-            <a:schemeClr val="accent1"/>
-          </a:fillRef>
-          <a:effectRef idx="0">
-            <a:schemeClr val="accent1"/>
-          </a:effectRef>
-          <a:fontRef idx="minor">
-            <a:schemeClr val="tx1"/>
-          </a:fontRef>
-        </p:style>
-      </p:cxnSp>
-    </p:spTree>
-    <p:extLst>
-      <p:ext uri="{BB962C8B-B14F-4D97-AF65-F5344CB8AC3E}">
-        <p14:creationId xmlns:p14="http://schemas.microsoft.com/office/powerpoint/2010/main" val="1137500979"/>
-      </p:ext>
-    </p:extLst>
-  </p:cSld>
-  <p:clrMapOvr>
-    <a:masterClrMapping/>
-  </p:clrMapOvr>
-  <p:transition>
-    <p:push dir="u"/>
-  </p:transition>
-  <p:timing>
-    <p:tnLst>
-      <p:par>
-        <p:cTn id="1" dur="indefinite" restart="never" nodeType="tmRoot"/>
-      </p:par>
-    </p:tnLst>
-  </p:timing>
-</p:sld>
-</file>
-
 <file path=ppt/slides/slide7.xml><?xml version="1.0" encoding="utf-8"?>
 <p:sld xmlns:a="http://schemas.openxmlformats.org/drawingml/2006/main" xmlns:r="http://schemas.openxmlformats.org/officeDocument/2006/relationships" xmlns:p="http://schemas.openxmlformats.org/presentationml/2006/main">
   <p:cSld>
@@ -39889,7 +40169,7 @@
               </a:ln>
               <a:extLst>
                 <a:ext uri="{91240B29-F687-4f45-9708-019B960494DF}">
-                  <a14:hiddenLine xmlns="" xmlns:a14="http://schemas.microsoft.com/office/drawing/2010/main" w="9525">
+                  <a14:hiddenLine xmlns:a14="http://schemas.microsoft.com/office/drawing/2010/main" xmlns="" w="9525">
                     <a:solidFill>
                       <a:srgbClr val="000000"/>
                     </a:solidFill>
@@ -40240,7 +40520,7 @@
               </a:ln>
               <a:extLst>
                 <a:ext uri="{91240B29-F687-4f45-9708-019B960494DF}">
-                  <a14:hiddenLine xmlns="" xmlns:a14="http://schemas.microsoft.com/office/drawing/2010/main" w="9525">
+                  <a14:hiddenLine xmlns:a14="http://schemas.microsoft.com/office/drawing/2010/main" xmlns="" w="9525">
                     <a:solidFill>
                       <a:srgbClr val="000000"/>
                     </a:solidFill>
